--- a/UC_Leads/POSTER_FEB.pptx
+++ b/UC_Leads/POSTER_FEB.pptx
@@ -2984,12 +2984,113 @@
           <a:chExt cx="0" cy="0"/>
         </a:xfrm>
       </p:grpSpPr>
+      <p:sp>
+        <p:nvSpPr>
+          <p:cNvPr id="13" name="Rectangle 12">
+            <a:extLst>
+              <a:ext uri="{FF2B5EF4-FFF2-40B4-BE49-F238E27FC236}">
+                <a16:creationId xmlns:a16="http://schemas.microsoft.com/office/drawing/2014/main" id="{14085ABC-034F-011D-13F8-518C9A932F89}"/>
+              </a:ext>
+            </a:extLst>
+          </p:cNvPr>
+          <p:cNvSpPr/>
+          <p:nvPr/>
+        </p:nvSpPr>
+        <p:spPr>
+          <a:xfrm>
+            <a:off x="0" y="0"/>
+            <a:ext cx="32918400" cy="40233600"/>
+          </a:xfrm>
+          <a:prstGeom prst="rect">
+            <a:avLst/>
+          </a:prstGeom>
+          <a:solidFill>
+            <a:schemeClr val="accent1">
+              <a:lumMod val="60000"/>
+              <a:lumOff val="40000"/>
+            </a:schemeClr>
+          </a:solidFill>
+        </p:spPr>
+        <p:style>
+          <a:lnRef idx="2">
+            <a:schemeClr val="accent1">
+              <a:shade val="15000"/>
+            </a:schemeClr>
+          </a:lnRef>
+          <a:fillRef idx="1">
+            <a:schemeClr val="accent1"/>
+          </a:fillRef>
+          <a:effectRef idx="0">
+            <a:schemeClr val="accent1"/>
+          </a:effectRef>
+          <a:fontRef idx="minor">
+            <a:schemeClr val="lt1"/>
+          </a:fontRef>
+        </p:style>
+        <p:txBody>
+          <a:bodyPr rtlCol="0" anchor="ctr"/>
+          <a:lstStyle/>
+          <a:p>
+            <a:pPr algn="ctr"/>
+            <a:endParaRPr lang="en-US"/>
+          </a:p>
+        </p:txBody>
+      </p:sp>
+      <p:sp>
+        <p:nvSpPr>
+          <p:cNvPr id="14" name="Rectangle 13">
+            <a:extLst>
+              <a:ext uri="{FF2B5EF4-FFF2-40B4-BE49-F238E27FC236}">
+                <a16:creationId xmlns:a16="http://schemas.microsoft.com/office/drawing/2014/main" id="{9F4C61B1-6E76-9DCB-511F-82539467910C}"/>
+              </a:ext>
+            </a:extLst>
+          </p:cNvPr>
+          <p:cNvSpPr/>
+          <p:nvPr/>
+        </p:nvSpPr>
+        <p:spPr>
+          <a:xfrm>
+            <a:off x="1114418" y="828665"/>
+            <a:ext cx="30689564" cy="38576270"/>
+          </a:xfrm>
+          <a:prstGeom prst="rect">
+            <a:avLst/>
+          </a:prstGeom>
+          <a:solidFill>
+            <a:schemeClr val="bg1"/>
+          </a:solidFill>
+        </p:spPr>
+        <p:style>
+          <a:lnRef idx="2">
+            <a:schemeClr val="accent1">
+              <a:shade val="15000"/>
+            </a:schemeClr>
+          </a:lnRef>
+          <a:fillRef idx="1">
+            <a:schemeClr val="accent1"/>
+          </a:fillRef>
+          <a:effectRef idx="0">
+            <a:schemeClr val="accent1"/>
+          </a:effectRef>
+          <a:fontRef idx="minor">
+            <a:schemeClr val="lt1"/>
+          </a:fontRef>
+        </p:style>
+        <p:txBody>
+          <a:bodyPr rtlCol="0" anchor="ctr"/>
+          <a:lstStyle/>
+          <a:p>
+            <a:pPr algn="ctr"/>
+            <a:endParaRPr lang="en-US"/>
+          </a:p>
+        </p:txBody>
+      </p:sp>
       <p:pic>
         <p:nvPicPr>
-          <p:cNvPr id="5" name="Picture 4">
+          <p:cNvPr id="7" name="Picture 6">
             <a:extLst>
               <a:ext uri="{FF2B5EF4-FFF2-40B4-BE49-F238E27FC236}">
-                <a16:creationId xmlns:a16="http://schemas.microsoft.com/office/drawing/2014/main" id="{8BA918ED-1046-C795-8884-9ADE729DC25E}"/>
+                <a16:creationId xmlns:a16="http://schemas.microsoft.com/office/drawing/2014/main" id="{69F772AC-2259-6578-4223-36BF2B457C70}"/>
               </a:ext>
             </a:extLst>
           </p:cNvPr>
@@ -3006,20 +3107,642 @@
               </a:ext>
             </a:extLst>
           </a:blip>
+          <a:srcRect l="34955"/>
           <a:stretch>
             <a:fillRect/>
           </a:stretch>
         </p:blipFill>
         <p:spPr>
           <a:xfrm>
-            <a:off x="995363" y="19030951"/>
-            <a:ext cx="18491732" cy="15740062"/>
+            <a:off x="1716993" y="14339620"/>
+            <a:ext cx="14742207" cy="14944725"/>
           </a:xfrm>
           <a:prstGeom prst="rect">
             <a:avLst/>
           </a:prstGeom>
         </p:spPr>
       </p:pic>
+      <p:sp>
+        <p:nvSpPr>
+          <p:cNvPr id="8" name="TextBox 7">
+            <a:extLst>
+              <a:ext uri="{FF2B5EF4-FFF2-40B4-BE49-F238E27FC236}">
+                <a16:creationId xmlns:a16="http://schemas.microsoft.com/office/drawing/2014/main" id="{BB15BA04-C138-F687-AFA8-2A276EA5A63C}"/>
+              </a:ext>
+            </a:extLst>
+          </p:cNvPr>
+          <p:cNvSpPr txBox="1"/>
+          <p:nvPr/>
+        </p:nvSpPr>
+        <p:spPr>
+          <a:xfrm>
+            <a:off x="1914525" y="1914525"/>
+            <a:ext cx="29089350" cy="1200329"/>
+          </a:xfrm>
+          <a:prstGeom prst="rect">
+            <a:avLst/>
+          </a:prstGeom>
+          <a:noFill/>
+        </p:spPr>
+        <p:txBody>
+          <a:bodyPr wrap="square" rtlCol="0">
+            <a:spAutoFit/>
+          </a:bodyPr>
+          <a:lstStyle/>
+          <a:p>
+            <a:pPr algn="ctr"/>
+            <a:r>
+              <a:rPr lang="en-US" sz="7200" b="1" dirty="0">
+                <a:latin typeface="Times New Roman" panose="02020603050405020304" pitchFamily="18" charset="0"/>
+                <a:cs typeface="Times New Roman" panose="02020603050405020304" pitchFamily="18" charset="0"/>
+              </a:rPr>
+              <a:t>Reconstruction of the evolutionary history of </a:t>
+            </a:r>
+            <a:r>
+              <a:rPr lang="en-US" sz="7200" b="1" dirty="0" err="1">
+                <a:latin typeface="Times New Roman" panose="02020603050405020304" pitchFamily="18" charset="0"/>
+                <a:cs typeface="Times New Roman" panose="02020603050405020304" pitchFamily="18" charset="0"/>
+              </a:rPr>
+              <a:t>Stonustoxin</a:t>
+            </a:r>
+            <a:r>
+              <a:rPr lang="en-US" sz="7200" b="1" dirty="0">
+                <a:latin typeface="Times New Roman" panose="02020603050405020304" pitchFamily="18" charset="0"/>
+                <a:cs typeface="Times New Roman" panose="02020603050405020304" pitchFamily="18" charset="0"/>
+              </a:rPr>
+              <a:t> in </a:t>
+            </a:r>
+            <a:r>
+              <a:rPr lang="en-US" sz="7200" b="1" i="1" dirty="0">
+                <a:latin typeface="Times New Roman" panose="02020603050405020304" pitchFamily="18" charset="0"/>
+                <a:cs typeface="Times New Roman" panose="02020603050405020304" pitchFamily="18" charset="0"/>
+              </a:rPr>
+              <a:t>Sebastes</a:t>
+            </a:r>
+            <a:endParaRPr lang="en-US" sz="7200" b="1" dirty="0">
+              <a:latin typeface="Times New Roman" panose="02020603050405020304" pitchFamily="18" charset="0"/>
+              <a:cs typeface="Times New Roman" panose="02020603050405020304" pitchFamily="18" charset="0"/>
+            </a:endParaRPr>
+          </a:p>
+        </p:txBody>
+      </p:sp>
+      <p:sp>
+        <p:nvSpPr>
+          <p:cNvPr id="9" name="TextBox 8">
+            <a:extLst>
+              <a:ext uri="{FF2B5EF4-FFF2-40B4-BE49-F238E27FC236}">
+                <a16:creationId xmlns:a16="http://schemas.microsoft.com/office/drawing/2014/main" id="{088592F3-D50C-C5F4-60D6-A62E7278E538}"/>
+              </a:ext>
+            </a:extLst>
+          </p:cNvPr>
+          <p:cNvSpPr txBox="1"/>
+          <p:nvPr/>
+        </p:nvSpPr>
+        <p:spPr>
+          <a:xfrm>
+            <a:off x="3786186" y="3394620"/>
+            <a:ext cx="26174700" cy="923330"/>
+          </a:xfrm>
+          <a:prstGeom prst="rect">
+            <a:avLst/>
+          </a:prstGeom>
+          <a:noFill/>
+        </p:spPr>
+        <p:txBody>
+          <a:bodyPr wrap="square" rtlCol="0">
+            <a:spAutoFit/>
+          </a:bodyPr>
+          <a:lstStyle/>
+          <a:p>
+            <a:pPr algn="ctr"/>
+            <a:r>
+              <a:rPr lang="en-US" sz="5400" dirty="0">
+                <a:latin typeface="Times New Roman" panose="02020603050405020304" pitchFamily="18" charset="0"/>
+                <a:cs typeface="Times New Roman" panose="02020603050405020304" pitchFamily="18" charset="0"/>
+              </a:rPr>
+              <a:t>Author: Ambrosio Rivera, Dr. Giacomo Bernardi, Eric Witte</a:t>
+            </a:r>
+          </a:p>
+        </p:txBody>
+      </p:sp>
+      <p:pic>
+        <p:nvPicPr>
+          <p:cNvPr id="11" name="Picture 10">
+            <a:extLst>
+              <a:ext uri="{FF2B5EF4-FFF2-40B4-BE49-F238E27FC236}">
+                <a16:creationId xmlns:a16="http://schemas.microsoft.com/office/drawing/2014/main" id="{7E9F88CE-E438-D058-7E75-F19F4049E780}"/>
+              </a:ext>
+            </a:extLst>
+          </p:cNvPr>
+          <p:cNvPicPr>
+            <a:picLocks noChangeAspect="1"/>
+          </p:cNvPicPr>
+          <p:nvPr/>
+        </p:nvPicPr>
+        <p:blipFill>
+          <a:blip r:embed="rId3">
+            <a:extLst>
+              <a:ext uri="{28A0092B-C50C-407E-A947-70E740481C1C}">
+                <a14:useLocalDpi xmlns:a14="http://schemas.microsoft.com/office/drawing/2010/main" val="0"/>
+              </a:ext>
+            </a:extLst>
+          </a:blip>
+          <a:stretch>
+            <a:fillRect/>
+          </a:stretch>
+        </p:blipFill>
+        <p:spPr>
+          <a:xfrm>
+            <a:off x="1488393" y="33712461"/>
+            <a:ext cx="5655357" cy="5655357"/>
+          </a:xfrm>
+          <a:prstGeom prst="rect">
+            <a:avLst/>
+          </a:prstGeom>
+        </p:spPr>
+      </p:pic>
+      <p:sp>
+        <p:nvSpPr>
+          <p:cNvPr id="12" name="TextBox 11">
+            <a:extLst>
+              <a:ext uri="{FF2B5EF4-FFF2-40B4-BE49-F238E27FC236}">
+                <a16:creationId xmlns:a16="http://schemas.microsoft.com/office/drawing/2014/main" id="{7137240A-5E3C-3ECB-AB64-79466AC4B55D}"/>
+              </a:ext>
+            </a:extLst>
+          </p:cNvPr>
+          <p:cNvSpPr txBox="1"/>
+          <p:nvPr/>
+        </p:nvSpPr>
+        <p:spPr>
+          <a:xfrm>
+            <a:off x="2314574" y="4520960"/>
+            <a:ext cx="28689301" cy="5940088"/>
+          </a:xfrm>
+          <a:prstGeom prst="rect">
+            <a:avLst/>
+          </a:prstGeom>
+          <a:noFill/>
+        </p:spPr>
+        <p:txBody>
+          <a:bodyPr wrap="square" rtlCol="0">
+            <a:spAutoFit/>
+          </a:bodyPr>
+          <a:lstStyle/>
+          <a:p>
+            <a:pPr algn="ctr"/>
+            <a:r>
+              <a:rPr lang="en-US" sz="6000" b="1" dirty="0">
+                <a:latin typeface="Times New Roman" panose="02020603050405020304" pitchFamily="18" charset="0"/>
+                <a:cs typeface="Times New Roman" panose="02020603050405020304" pitchFamily="18" charset="0"/>
+              </a:rPr>
+              <a:t>Abstract</a:t>
+            </a:r>
+          </a:p>
+          <a:p>
+            <a:pPr algn="ctr"/>
+            <a:r>
+              <a:rPr lang="en-US" sz="4000" dirty="0">
+                <a:latin typeface="Times New Roman" panose="02020603050405020304" pitchFamily="18" charset="0"/>
+                <a:cs typeface="Times New Roman" panose="02020603050405020304" pitchFamily="18" charset="0"/>
+              </a:rPr>
+              <a:t>Rockfish, or </a:t>
+            </a:r>
+            <a:r>
+              <a:rPr lang="en-US" sz="4000" i="1" dirty="0">
+                <a:latin typeface="Times New Roman" panose="02020603050405020304" pitchFamily="18" charset="0"/>
+                <a:cs typeface="Times New Roman" panose="02020603050405020304" pitchFamily="18" charset="0"/>
+              </a:rPr>
+              <a:t>Sebastes,</a:t>
+            </a:r>
+            <a:r>
+              <a:rPr lang="en-US" sz="4000" dirty="0">
+                <a:latin typeface="Times New Roman" panose="02020603050405020304" pitchFamily="18" charset="0"/>
+                <a:cs typeface="Times New Roman" panose="02020603050405020304" pitchFamily="18" charset="0"/>
+              </a:rPr>
+              <a:t> is a highly diverse genus of fish primarily located in the Eastern Pacific, and is important for fisheries and coastal ecosystems. Research suggests that organisms with venom production have accelerated evolutionary rates compared to other lineages without a venom system (Yang, Siqi, et al., 2025). </a:t>
+            </a:r>
+            <a:r>
+              <a:rPr lang="en-US" sz="4000" i="1" dirty="0">
+                <a:latin typeface="Times New Roman" panose="02020603050405020304" pitchFamily="18" charset="0"/>
+                <a:cs typeface="Times New Roman" panose="02020603050405020304" pitchFamily="18" charset="0"/>
+              </a:rPr>
+              <a:t>Sebastes </a:t>
+            </a:r>
+            <a:r>
+              <a:rPr lang="en-US" sz="4000" dirty="0">
+                <a:latin typeface="Times New Roman" panose="02020603050405020304" pitchFamily="18" charset="0"/>
+                <a:cs typeface="Times New Roman" panose="02020603050405020304" pitchFamily="18" charset="0"/>
+              </a:rPr>
+              <a:t>is closely related to venomous species including </a:t>
+            </a:r>
+            <a:r>
+              <a:rPr lang="en-US" sz="4000" i="1" dirty="0">
+                <a:latin typeface="Times New Roman" panose="02020603050405020304" pitchFamily="18" charset="0"/>
+                <a:cs typeface="Times New Roman" panose="02020603050405020304" pitchFamily="18" charset="0"/>
+              </a:rPr>
+              <a:t>Pterois sp.</a:t>
+            </a:r>
+            <a:r>
+              <a:rPr lang="en-US" sz="4000" dirty="0">
+                <a:latin typeface="Times New Roman" panose="02020603050405020304" pitchFamily="18" charset="0"/>
+                <a:cs typeface="Times New Roman" panose="02020603050405020304" pitchFamily="18" charset="0"/>
+              </a:rPr>
+              <a:t>, and there is a lack of data on the evolution of venom in the genes </a:t>
+            </a:r>
+            <a:r>
+              <a:rPr lang="en-US" sz="4000" i="1" dirty="0">
+                <a:latin typeface="Times New Roman" panose="02020603050405020304" pitchFamily="18" charset="0"/>
+                <a:cs typeface="Times New Roman" panose="02020603050405020304" pitchFamily="18" charset="0"/>
+              </a:rPr>
+              <a:t>Sebastes</a:t>
+            </a:r>
+            <a:r>
+              <a:rPr lang="en-US" sz="4000" dirty="0">
+                <a:latin typeface="Times New Roman" panose="02020603050405020304" pitchFamily="18" charset="0"/>
+                <a:cs typeface="Times New Roman" panose="02020603050405020304" pitchFamily="18" charset="0"/>
+              </a:rPr>
+              <a:t> ( Lee, Sung-Gwon, et al.,2025). This research uses the </a:t>
+            </a:r>
+            <a:r>
+              <a:rPr lang="en-US" sz="4000" i="1" dirty="0">
+                <a:latin typeface="Times New Roman" panose="02020603050405020304" pitchFamily="18" charset="0"/>
+                <a:cs typeface="Times New Roman" panose="02020603050405020304" pitchFamily="18" charset="0"/>
+              </a:rPr>
+              <a:t>Sebastes</a:t>
+            </a:r>
+            <a:r>
+              <a:rPr lang="en-US" sz="4000" dirty="0">
+                <a:latin typeface="Times New Roman" panose="02020603050405020304" pitchFamily="18" charset="0"/>
+                <a:cs typeface="Times New Roman" panose="02020603050405020304" pitchFamily="18" charset="0"/>
+              </a:rPr>
+              <a:t> genome collection from NCBI to extract orthologous </a:t>
+            </a:r>
+            <a:r>
+              <a:rPr lang="en-US" sz="4000" dirty="0" err="1">
+                <a:latin typeface="Times New Roman" panose="02020603050405020304" pitchFamily="18" charset="0"/>
+                <a:cs typeface="Times New Roman" panose="02020603050405020304" pitchFamily="18" charset="0"/>
+              </a:rPr>
+              <a:t>stonustoxins</a:t>
+            </a:r>
+            <a:r>
+              <a:rPr lang="en-US" sz="4000" dirty="0">
+                <a:latin typeface="Times New Roman" panose="02020603050405020304" pitchFamily="18" charset="0"/>
+                <a:cs typeface="Times New Roman" panose="02020603050405020304" pitchFamily="18" charset="0"/>
+              </a:rPr>
+              <a:t>, a group of venom genes that includes venom from lionfish (</a:t>
+            </a:r>
+            <a:r>
+              <a:rPr lang="en-US" sz="4000" i="1" dirty="0">
+                <a:latin typeface="Times New Roman" panose="02020603050405020304" pitchFamily="18" charset="0"/>
+                <a:cs typeface="Times New Roman" panose="02020603050405020304" pitchFamily="18" charset="0"/>
+              </a:rPr>
+              <a:t>Pterois</a:t>
+            </a:r>
+            <a:r>
+              <a:rPr lang="en-US" sz="4000" dirty="0">
+                <a:latin typeface="Times New Roman" panose="02020603050405020304" pitchFamily="18" charset="0"/>
+                <a:cs typeface="Times New Roman" panose="02020603050405020304" pitchFamily="18" charset="0"/>
+              </a:rPr>
+              <a:t>) and stonefish (</a:t>
+            </a:r>
+            <a:r>
+              <a:rPr lang="en-US" sz="4000" i="1" dirty="0" err="1">
+                <a:latin typeface="Times New Roman" panose="02020603050405020304" pitchFamily="18" charset="0"/>
+                <a:cs typeface="Times New Roman" panose="02020603050405020304" pitchFamily="18" charset="0"/>
+              </a:rPr>
+              <a:t>Synanceia</a:t>
+            </a:r>
+            <a:r>
+              <a:rPr lang="en-US" sz="4000" dirty="0">
+                <a:latin typeface="Times New Roman" panose="02020603050405020304" pitchFamily="18" charset="0"/>
+                <a:cs typeface="Times New Roman" panose="02020603050405020304" pitchFamily="18" charset="0"/>
+              </a:rPr>
+              <a:t>). We built phylogenies to understand the evolutionary history of the gene; we looked for selection signatures and we overlaid ecological characteristics to detect associations. Studying the evolution of venom in fish is useful for understanding adaptive potential for species interactions as well as diversification of a speciose genus of fishes.</a:t>
+            </a:r>
+          </a:p>
+        </p:txBody>
+      </p:sp>
+      <p:pic>
+        <p:nvPicPr>
+          <p:cNvPr id="18" name="Picture 17">
+            <a:extLst>
+              <a:ext uri="{FF2B5EF4-FFF2-40B4-BE49-F238E27FC236}">
+                <a16:creationId xmlns:a16="http://schemas.microsoft.com/office/drawing/2014/main" id="{2F47648D-12CA-115D-050E-76D0458B22BE}"/>
+              </a:ext>
+            </a:extLst>
+          </p:cNvPr>
+          <p:cNvPicPr>
+            <a:picLocks noChangeAspect="1"/>
+          </p:cNvPicPr>
+          <p:nvPr/>
+        </p:nvPicPr>
+        <p:blipFill>
+          <a:blip r:embed="rId4">
+            <a:extLst>
+              <a:ext uri="{28A0092B-C50C-407E-A947-70E740481C1C}">
+                <a14:useLocalDpi xmlns:a14="http://schemas.microsoft.com/office/drawing/2010/main" val="0"/>
+              </a:ext>
+            </a:extLst>
+          </a:blip>
+          <a:stretch>
+            <a:fillRect/>
+          </a:stretch>
+        </p:blipFill>
+        <p:spPr>
+          <a:xfrm>
+            <a:off x="24969076" y="33204149"/>
+            <a:ext cx="6034799" cy="5828129"/>
+          </a:xfrm>
+          <a:prstGeom prst="rect">
+            <a:avLst/>
+          </a:prstGeom>
+        </p:spPr>
+      </p:pic>
+      <p:sp>
+        <p:nvSpPr>
+          <p:cNvPr id="19" name="TextBox 18">
+            <a:extLst>
+              <a:ext uri="{FF2B5EF4-FFF2-40B4-BE49-F238E27FC236}">
+                <a16:creationId xmlns:a16="http://schemas.microsoft.com/office/drawing/2014/main" id="{54388293-E063-F622-ED3B-07B0627AAE5F}"/>
+              </a:ext>
+            </a:extLst>
+          </p:cNvPr>
+          <p:cNvSpPr txBox="1"/>
+          <p:nvPr/>
+        </p:nvSpPr>
+        <p:spPr>
+          <a:xfrm>
+            <a:off x="1914525" y="10793207"/>
+            <a:ext cx="29089350" cy="1015663"/>
+          </a:xfrm>
+          <a:prstGeom prst="rect">
+            <a:avLst/>
+          </a:prstGeom>
+          <a:noFill/>
+        </p:spPr>
+        <p:txBody>
+          <a:bodyPr wrap="square" rtlCol="0">
+            <a:spAutoFit/>
+          </a:bodyPr>
+          <a:lstStyle/>
+          <a:p>
+            <a:pPr algn="ctr"/>
+            <a:r>
+              <a:rPr lang="en-US" sz="6000" b="1" dirty="0">
+                <a:latin typeface="Times New Roman" panose="02020603050405020304" pitchFamily="18" charset="0"/>
+                <a:cs typeface="Times New Roman" panose="02020603050405020304" pitchFamily="18" charset="0"/>
+              </a:rPr>
+              <a:t>Methods</a:t>
+            </a:r>
+          </a:p>
+        </p:txBody>
+      </p:sp>
+      <p:sp>
+        <p:nvSpPr>
+          <p:cNvPr id="20" name="TextBox 19">
+            <a:extLst>
+              <a:ext uri="{FF2B5EF4-FFF2-40B4-BE49-F238E27FC236}">
+                <a16:creationId xmlns:a16="http://schemas.microsoft.com/office/drawing/2014/main" id="{64380D2F-5062-F323-160A-1526C425990B}"/>
+              </a:ext>
+            </a:extLst>
+          </p:cNvPr>
+          <p:cNvSpPr txBox="1"/>
+          <p:nvPr/>
+        </p:nvSpPr>
+        <p:spPr>
+          <a:xfrm>
+            <a:off x="1914525" y="13286840"/>
+            <a:ext cx="29089350" cy="1015663"/>
+          </a:xfrm>
+          <a:prstGeom prst="rect">
+            <a:avLst/>
+          </a:prstGeom>
+          <a:noFill/>
+        </p:spPr>
+        <p:txBody>
+          <a:bodyPr wrap="square" rtlCol="0">
+            <a:spAutoFit/>
+          </a:bodyPr>
+          <a:lstStyle/>
+          <a:p>
+            <a:pPr algn="ctr"/>
+            <a:r>
+              <a:rPr lang="en-US" sz="6000" b="1" dirty="0">
+                <a:latin typeface="Times New Roman" panose="02020603050405020304" pitchFamily="18" charset="0"/>
+                <a:cs typeface="Times New Roman" panose="02020603050405020304" pitchFamily="18" charset="0"/>
+              </a:rPr>
+              <a:t>Results</a:t>
+            </a:r>
+          </a:p>
+        </p:txBody>
+      </p:sp>
+      <p:sp>
+        <p:nvSpPr>
+          <p:cNvPr id="21" name="TextBox 20">
+            <a:extLst>
+              <a:ext uri="{FF2B5EF4-FFF2-40B4-BE49-F238E27FC236}">
+                <a16:creationId xmlns:a16="http://schemas.microsoft.com/office/drawing/2014/main" id="{E9368A50-CA1F-BFC0-DEF6-A081A367A89A}"/>
+              </a:ext>
+            </a:extLst>
+          </p:cNvPr>
+          <p:cNvSpPr txBox="1"/>
+          <p:nvPr/>
+        </p:nvSpPr>
+        <p:spPr>
+          <a:xfrm>
+            <a:off x="2112057" y="29284345"/>
+            <a:ext cx="29089350" cy="1015663"/>
+          </a:xfrm>
+          <a:prstGeom prst="rect">
+            <a:avLst/>
+          </a:prstGeom>
+          <a:noFill/>
+        </p:spPr>
+        <p:txBody>
+          <a:bodyPr wrap="square" rtlCol="0">
+            <a:spAutoFit/>
+          </a:bodyPr>
+          <a:lstStyle/>
+          <a:p>
+            <a:pPr algn="ctr"/>
+            <a:r>
+              <a:rPr lang="en-US" sz="6000" b="1" dirty="0">
+                <a:latin typeface="Times New Roman" panose="02020603050405020304" pitchFamily="18" charset="0"/>
+                <a:cs typeface="Times New Roman" panose="02020603050405020304" pitchFamily="18" charset="0"/>
+              </a:rPr>
+              <a:t>Discussion</a:t>
+            </a:r>
+          </a:p>
+        </p:txBody>
+      </p:sp>
+      <p:sp>
+        <p:nvSpPr>
+          <p:cNvPr id="22" name="TextBox 21">
+            <a:extLst>
+              <a:ext uri="{FF2B5EF4-FFF2-40B4-BE49-F238E27FC236}">
+                <a16:creationId xmlns:a16="http://schemas.microsoft.com/office/drawing/2014/main" id="{0BBDE364-EE44-1347-CB87-F973B8F054C2}"/>
+              </a:ext>
+            </a:extLst>
+          </p:cNvPr>
+          <p:cNvSpPr txBox="1"/>
+          <p:nvPr/>
+        </p:nvSpPr>
+        <p:spPr>
+          <a:xfrm>
+            <a:off x="2066925" y="31920995"/>
+            <a:ext cx="29089350" cy="1015663"/>
+          </a:xfrm>
+          <a:prstGeom prst="rect">
+            <a:avLst/>
+          </a:prstGeom>
+          <a:noFill/>
+        </p:spPr>
+        <p:txBody>
+          <a:bodyPr wrap="square" rtlCol="0">
+            <a:spAutoFit/>
+          </a:bodyPr>
+          <a:lstStyle/>
+          <a:p>
+            <a:pPr algn="ctr"/>
+            <a:r>
+              <a:rPr lang="en-US" sz="6000" b="1" dirty="0">
+                <a:latin typeface="Times New Roman" panose="02020603050405020304" pitchFamily="18" charset="0"/>
+                <a:cs typeface="Times New Roman" panose="02020603050405020304" pitchFamily="18" charset="0"/>
+              </a:rPr>
+              <a:t>References</a:t>
+            </a:r>
+          </a:p>
+        </p:txBody>
+      </p:sp>
+      <p:pic>
+        <p:nvPicPr>
+          <p:cNvPr id="25" name="Picture 24">
+            <a:extLst>
+              <a:ext uri="{FF2B5EF4-FFF2-40B4-BE49-F238E27FC236}">
+                <a16:creationId xmlns:a16="http://schemas.microsoft.com/office/drawing/2014/main" id="{E9498808-C626-D774-7093-7EA252EDFB8F}"/>
+              </a:ext>
+            </a:extLst>
+          </p:cNvPr>
+          <p:cNvPicPr>
+            <a:picLocks noChangeAspect="1"/>
+          </p:cNvPicPr>
+          <p:nvPr/>
+        </p:nvPicPr>
+        <p:blipFill>
+          <a:blip r:embed="rId5">
+            <a:extLst>
+              <a:ext uri="{28A0092B-C50C-407E-A947-70E740481C1C}">
+                <a14:useLocalDpi xmlns:a14="http://schemas.microsoft.com/office/drawing/2010/main" val="0"/>
+              </a:ext>
+            </a:extLst>
+          </a:blip>
+          <a:stretch>
+            <a:fillRect/>
+          </a:stretch>
+        </p:blipFill>
+        <p:spPr>
+          <a:xfrm>
+            <a:off x="7869027" y="36956616"/>
+            <a:ext cx="6641606" cy="1362459"/>
+          </a:xfrm>
+          <a:prstGeom prst="rect">
+            <a:avLst/>
+          </a:prstGeom>
+        </p:spPr>
+      </p:pic>
+      <p:sp>
+        <p:nvSpPr>
+          <p:cNvPr id="26" name="TextBox 25">
+            <a:extLst>
+              <a:ext uri="{FF2B5EF4-FFF2-40B4-BE49-F238E27FC236}">
+                <a16:creationId xmlns:a16="http://schemas.microsoft.com/office/drawing/2014/main" id="{4154F410-3572-C178-3980-9E78F36F9837}"/>
+              </a:ext>
+            </a:extLst>
+          </p:cNvPr>
+          <p:cNvSpPr txBox="1"/>
+          <p:nvPr/>
+        </p:nvSpPr>
+        <p:spPr>
+          <a:xfrm>
+            <a:off x="2066925" y="33864861"/>
+            <a:ext cx="29089350" cy="1015663"/>
+          </a:xfrm>
+          <a:prstGeom prst="rect">
+            <a:avLst/>
+          </a:prstGeom>
+          <a:noFill/>
+        </p:spPr>
+        <p:txBody>
+          <a:bodyPr wrap="square" rtlCol="0">
+            <a:spAutoFit/>
+          </a:bodyPr>
+          <a:lstStyle/>
+          <a:p>
+            <a:pPr algn="ctr"/>
+            <a:r>
+              <a:rPr lang="en-US" sz="6000" b="1" dirty="0">
+                <a:latin typeface="Times New Roman" panose="02020603050405020304" pitchFamily="18" charset="0"/>
+                <a:cs typeface="Times New Roman" panose="02020603050405020304" pitchFamily="18" charset="0"/>
+              </a:rPr>
+              <a:t>Acknowledgments</a:t>
+            </a:r>
+          </a:p>
+        </p:txBody>
+      </p:sp>
+      <p:sp>
+        <p:nvSpPr>
+          <p:cNvPr id="27" name="Rectangle: Rounded Corners 26">
+            <a:extLst>
+              <a:ext uri="{FF2B5EF4-FFF2-40B4-BE49-F238E27FC236}">
+                <a16:creationId xmlns:a16="http://schemas.microsoft.com/office/drawing/2014/main" id="{ED0D46E6-F066-762E-C9E0-DD2CF45D49B6}"/>
+              </a:ext>
+            </a:extLst>
+          </p:cNvPr>
+          <p:cNvSpPr/>
+          <p:nvPr/>
+        </p:nvSpPr>
+        <p:spPr>
+          <a:xfrm>
+            <a:off x="3945467" y="24358600"/>
+            <a:ext cx="12589933" cy="401334"/>
+          </a:xfrm>
+          <a:prstGeom prst="roundRect">
+            <a:avLst/>
+          </a:prstGeom>
+          <a:solidFill>
+            <a:schemeClr val="accent1">
+              <a:alpha val="32000"/>
+            </a:schemeClr>
+          </a:solidFill>
+          <a:ln>
+            <a:noFill/>
+          </a:ln>
+        </p:spPr>
+        <p:style>
+          <a:lnRef idx="2">
+            <a:schemeClr val="accent1">
+              <a:shade val="15000"/>
+            </a:schemeClr>
+          </a:lnRef>
+          <a:fillRef idx="1">
+            <a:schemeClr val="accent1"/>
+          </a:fillRef>
+          <a:effectRef idx="0">
+            <a:schemeClr val="accent1"/>
+          </a:effectRef>
+          <a:fontRef idx="minor">
+            <a:schemeClr val="lt1"/>
+          </a:fontRef>
+        </p:style>
+        <p:txBody>
+          <a:bodyPr rtlCol="0" anchor="ctr"/>
+          <a:lstStyle/>
+          <a:p>
+            <a:pPr algn="ctr"/>
+            <a:endParaRPr lang="en-US" dirty="0"/>
+          </a:p>
+        </p:txBody>
+      </p:sp>
     </p:spTree>
     <p:extLst>
       <p:ext uri="{BB962C8B-B14F-4D97-AF65-F5344CB8AC3E}">

--- a/UC_Leads/POSTER_FEB.pptx
+++ b/UC_Leads/POSTER_FEB.pptx
@@ -3050,7 +3050,7 @@
         </p:nvSpPr>
         <p:spPr>
           <a:xfrm>
-            <a:off x="1114418" y="828665"/>
+            <a:off x="1266818" y="828665"/>
             <a:ext cx="30689564" cy="38576270"/>
           </a:xfrm>
           <a:prstGeom prst="rect">
@@ -3081,16 +3081,119 @@
           <a:lstStyle/>
           <a:p>
             <a:pPr algn="ctr"/>
-            <a:endParaRPr lang="en-US"/>
+            <a:endParaRPr lang="en-US" dirty="0"/>
+          </a:p>
+        </p:txBody>
+      </p:sp>
+      <p:sp>
+        <p:nvSpPr>
+          <p:cNvPr id="8" name="TextBox 7">
+            <a:extLst>
+              <a:ext uri="{FF2B5EF4-FFF2-40B4-BE49-F238E27FC236}">
+                <a16:creationId xmlns:a16="http://schemas.microsoft.com/office/drawing/2014/main" id="{BB15BA04-C138-F687-AFA8-2A276EA5A63C}"/>
+              </a:ext>
+            </a:extLst>
+          </p:cNvPr>
+          <p:cNvSpPr txBox="1"/>
+          <p:nvPr/>
+        </p:nvSpPr>
+        <p:spPr>
+          <a:xfrm>
+            <a:off x="1914525" y="1914525"/>
+            <a:ext cx="29089350" cy="1200329"/>
+          </a:xfrm>
+          <a:prstGeom prst="rect">
+            <a:avLst/>
+          </a:prstGeom>
+          <a:noFill/>
+        </p:spPr>
+        <p:txBody>
+          <a:bodyPr wrap="square" rtlCol="0">
+            <a:spAutoFit/>
+          </a:bodyPr>
+          <a:lstStyle/>
+          <a:p>
+            <a:pPr algn="ctr"/>
+            <a:r>
+              <a:rPr lang="en-US" sz="7200" b="1" dirty="0">
+                <a:latin typeface="Times New Roman" panose="02020603050405020304" pitchFamily="18" charset="0"/>
+                <a:cs typeface="Times New Roman" panose="02020603050405020304" pitchFamily="18" charset="0"/>
+              </a:rPr>
+              <a:t>Reconstruction of the evolutionary history of </a:t>
+            </a:r>
+            <a:r>
+              <a:rPr lang="en-US" sz="7200" b="1" dirty="0" err="1">
+                <a:latin typeface="Times New Roman" panose="02020603050405020304" pitchFamily="18" charset="0"/>
+                <a:cs typeface="Times New Roman" panose="02020603050405020304" pitchFamily="18" charset="0"/>
+              </a:rPr>
+              <a:t>Stonustoxin</a:t>
+            </a:r>
+            <a:r>
+              <a:rPr lang="en-US" sz="7200" b="1" dirty="0">
+                <a:latin typeface="Times New Roman" panose="02020603050405020304" pitchFamily="18" charset="0"/>
+                <a:cs typeface="Times New Roman" panose="02020603050405020304" pitchFamily="18" charset="0"/>
+              </a:rPr>
+              <a:t> in </a:t>
+            </a:r>
+            <a:r>
+              <a:rPr lang="en-US" sz="7200" b="1" i="1" dirty="0">
+                <a:latin typeface="Times New Roman" panose="02020603050405020304" pitchFamily="18" charset="0"/>
+                <a:cs typeface="Times New Roman" panose="02020603050405020304" pitchFamily="18" charset="0"/>
+              </a:rPr>
+              <a:t>Sebastes</a:t>
+            </a:r>
+            <a:endParaRPr lang="en-US" sz="7200" b="1" dirty="0">
+              <a:latin typeface="Times New Roman" panose="02020603050405020304" pitchFamily="18" charset="0"/>
+              <a:cs typeface="Times New Roman" panose="02020603050405020304" pitchFamily="18" charset="0"/>
+            </a:endParaRPr>
+          </a:p>
+        </p:txBody>
+      </p:sp>
+      <p:sp>
+        <p:nvSpPr>
+          <p:cNvPr id="9" name="TextBox 8">
+            <a:extLst>
+              <a:ext uri="{FF2B5EF4-FFF2-40B4-BE49-F238E27FC236}">
+                <a16:creationId xmlns:a16="http://schemas.microsoft.com/office/drawing/2014/main" id="{088592F3-D50C-C5F4-60D6-A62E7278E538}"/>
+              </a:ext>
+            </a:extLst>
+          </p:cNvPr>
+          <p:cNvSpPr txBox="1"/>
+          <p:nvPr/>
+        </p:nvSpPr>
+        <p:spPr>
+          <a:xfrm>
+            <a:off x="3786186" y="3394620"/>
+            <a:ext cx="26174700" cy="923330"/>
+          </a:xfrm>
+          <a:prstGeom prst="rect">
+            <a:avLst/>
+          </a:prstGeom>
+          <a:noFill/>
+        </p:spPr>
+        <p:txBody>
+          <a:bodyPr wrap="square" rtlCol="0">
+            <a:spAutoFit/>
+          </a:bodyPr>
+          <a:lstStyle/>
+          <a:p>
+            <a:pPr algn="ctr"/>
+            <a:r>
+              <a:rPr lang="en-US" sz="5400" dirty="0">
+                <a:latin typeface="Times New Roman" panose="02020603050405020304" pitchFamily="18" charset="0"/>
+                <a:cs typeface="Times New Roman" panose="02020603050405020304" pitchFamily="18" charset="0"/>
+              </a:rPr>
+              <a:t>Author: Ambrosio Rivera, Dr. Giacomo Bernardi, Eric Witte</a:t>
+            </a:r>
           </a:p>
         </p:txBody>
       </p:sp>
       <p:pic>
         <p:nvPicPr>
-          <p:cNvPr id="7" name="Picture 6">
+          <p:cNvPr id="11" name="Picture 10">
             <a:extLst>
               <a:ext uri="{FF2B5EF4-FFF2-40B4-BE49-F238E27FC236}">
-                <a16:creationId xmlns:a16="http://schemas.microsoft.com/office/drawing/2014/main" id="{69F772AC-2259-6578-4223-36BF2B457C70}"/>
+                <a16:creationId xmlns:a16="http://schemas.microsoft.com/office/drawing/2014/main" id="{7E9F88CE-E438-D058-7E75-F19F4049E780}"/>
               </a:ext>
             </a:extLst>
           </p:cNvPr>
@@ -3107,15 +3210,14 @@
               </a:ext>
             </a:extLst>
           </a:blip>
-          <a:srcRect l="34955"/>
           <a:stretch>
             <a:fillRect/>
           </a:stretch>
         </p:blipFill>
         <p:spPr>
           <a:xfrm>
-            <a:off x="1716993" y="14339620"/>
-            <a:ext cx="14742207" cy="14944725"/>
+            <a:off x="1488393" y="33409916"/>
+            <a:ext cx="5505074" cy="5505074"/>
           </a:xfrm>
           <a:prstGeom prst="rect">
             <a:avLst/>
@@ -3124,10 +3226,10 @@
       </p:pic>
       <p:sp>
         <p:nvSpPr>
-          <p:cNvPr id="8" name="TextBox 7">
+          <p:cNvPr id="12" name="TextBox 11">
             <a:extLst>
               <a:ext uri="{FF2B5EF4-FFF2-40B4-BE49-F238E27FC236}">
-                <a16:creationId xmlns:a16="http://schemas.microsoft.com/office/drawing/2014/main" id="{BB15BA04-C138-F687-AFA8-2A276EA5A63C}"/>
+                <a16:creationId xmlns:a16="http://schemas.microsoft.com/office/drawing/2014/main" id="{7137240A-5E3C-3ECB-AB64-79466AC4B55D}"/>
               </a:ext>
             </a:extLst>
           </p:cNvPr>
@@ -3136,8 +3238,8 @@
         </p:nvSpPr>
         <p:spPr>
           <a:xfrm>
-            <a:off x="1914525" y="1914525"/>
-            <a:ext cx="29089350" cy="1200329"/>
+            <a:off x="2314574" y="4520960"/>
+            <a:ext cx="28689301" cy="5940088"/>
           </a:xfrm>
           <a:prstGeom prst="rect">
             <a:avLst/>
@@ -3152,85 +3254,143 @@
           <a:p>
             <a:pPr algn="ctr"/>
             <a:r>
-              <a:rPr lang="en-US" sz="7200" b="1" dirty="0">
-                <a:latin typeface="Times New Roman" panose="02020603050405020304" pitchFamily="18" charset="0"/>
-                <a:cs typeface="Times New Roman" panose="02020603050405020304" pitchFamily="18" charset="0"/>
-              </a:rPr>
-              <a:t>Reconstruction of the evolutionary history of </a:t>
-            </a:r>
-            <a:r>
-              <a:rPr lang="en-US" sz="7200" b="1" dirty="0" err="1">
-                <a:latin typeface="Times New Roman" panose="02020603050405020304" pitchFamily="18" charset="0"/>
-                <a:cs typeface="Times New Roman" panose="02020603050405020304" pitchFamily="18" charset="0"/>
-              </a:rPr>
-              <a:t>Stonustoxin</a:t>
-            </a:r>
-            <a:r>
-              <a:rPr lang="en-US" sz="7200" b="1" dirty="0">
-                <a:latin typeface="Times New Roman" panose="02020603050405020304" pitchFamily="18" charset="0"/>
-                <a:cs typeface="Times New Roman" panose="02020603050405020304" pitchFamily="18" charset="0"/>
-              </a:rPr>
-              <a:t> in </a:t>
-            </a:r>
-            <a:r>
-              <a:rPr lang="en-US" sz="7200" b="1" i="1" dirty="0">
+              <a:rPr lang="en-US" sz="4800" b="1" dirty="0">
+                <a:latin typeface="Times New Roman" panose="02020603050405020304" pitchFamily="18" charset="0"/>
+                <a:cs typeface="Times New Roman" panose="02020603050405020304" pitchFamily="18" charset="0"/>
+              </a:rPr>
+              <a:t>Abstract</a:t>
+            </a:r>
+          </a:p>
+          <a:p>
+            <a:pPr algn="ctr"/>
+            <a:r>
+              <a:rPr lang="en-US" sz="4000" dirty="0">
+                <a:latin typeface="Times New Roman" panose="02020603050405020304" pitchFamily="18" charset="0"/>
+                <a:cs typeface="Times New Roman" panose="02020603050405020304" pitchFamily="18" charset="0"/>
+              </a:rPr>
+              <a:t>Rockfish, or </a:t>
+            </a:r>
+            <a:r>
+              <a:rPr lang="en-US" sz="4000" i="1" dirty="0">
+                <a:latin typeface="Times New Roman" panose="02020603050405020304" pitchFamily="18" charset="0"/>
+                <a:cs typeface="Times New Roman" panose="02020603050405020304" pitchFamily="18" charset="0"/>
+              </a:rPr>
+              <a:t>Sebastes,</a:t>
+            </a:r>
+            <a:r>
+              <a:rPr lang="en-US" sz="4000" dirty="0">
+                <a:latin typeface="Times New Roman" panose="02020603050405020304" pitchFamily="18" charset="0"/>
+                <a:cs typeface="Times New Roman" panose="02020603050405020304" pitchFamily="18" charset="0"/>
+              </a:rPr>
+              <a:t> is a highly diverse genus of fish primarily located in the Eastern Pacific and is important for fisheries and coastal ecosystems. Research suggests that organisms with venom production have accelerated evolutionary rates compared to other lineages without a venom system (Yang, Siqi, et al., 2025). </a:t>
+            </a:r>
+            <a:r>
+              <a:rPr lang="en-US" sz="4000" i="1" dirty="0">
+                <a:latin typeface="Times New Roman" panose="02020603050405020304" pitchFamily="18" charset="0"/>
+                <a:cs typeface="Times New Roman" panose="02020603050405020304" pitchFamily="18" charset="0"/>
+              </a:rPr>
+              <a:t>Sebastes </a:t>
+            </a:r>
+            <a:r>
+              <a:rPr lang="en-US" sz="4000" dirty="0">
+                <a:latin typeface="Times New Roman" panose="02020603050405020304" pitchFamily="18" charset="0"/>
+                <a:cs typeface="Times New Roman" panose="02020603050405020304" pitchFamily="18" charset="0"/>
+              </a:rPr>
+              <a:t>is closely related to venomous species including </a:t>
+            </a:r>
+            <a:r>
+              <a:rPr lang="en-US" sz="4000" i="1" dirty="0">
+                <a:latin typeface="Times New Roman" panose="02020603050405020304" pitchFamily="18" charset="0"/>
+                <a:cs typeface="Times New Roman" panose="02020603050405020304" pitchFamily="18" charset="0"/>
+              </a:rPr>
+              <a:t>Pterois sp.</a:t>
+            </a:r>
+            <a:r>
+              <a:rPr lang="en-US" sz="4000" dirty="0">
+                <a:latin typeface="Times New Roman" panose="02020603050405020304" pitchFamily="18" charset="0"/>
+                <a:cs typeface="Times New Roman" panose="02020603050405020304" pitchFamily="18" charset="0"/>
+              </a:rPr>
+              <a:t>, and there is a lack of data on the evolution of venom in the genes </a:t>
+            </a:r>
+            <a:r>
+              <a:rPr lang="en-US" sz="4000" i="1" dirty="0">
                 <a:latin typeface="Times New Roman" panose="02020603050405020304" pitchFamily="18" charset="0"/>
                 <a:cs typeface="Times New Roman" panose="02020603050405020304" pitchFamily="18" charset="0"/>
               </a:rPr>
               <a:t>Sebastes</a:t>
             </a:r>
-            <a:endParaRPr lang="en-US" sz="7200" b="1" dirty="0">
-              <a:latin typeface="Times New Roman" panose="02020603050405020304" pitchFamily="18" charset="0"/>
-              <a:cs typeface="Times New Roman" panose="02020603050405020304" pitchFamily="18" charset="0"/>
-            </a:endParaRPr>
-          </a:p>
-        </p:txBody>
-      </p:sp>
-      <p:sp>
-        <p:nvSpPr>
-          <p:cNvPr id="9" name="TextBox 8">
+            <a:r>
+              <a:rPr lang="en-US" sz="4000" dirty="0">
+                <a:latin typeface="Times New Roman" panose="02020603050405020304" pitchFamily="18" charset="0"/>
+                <a:cs typeface="Times New Roman" panose="02020603050405020304" pitchFamily="18" charset="0"/>
+              </a:rPr>
+              <a:t> ( Lee, Sung-Gwon, et al.,2025). This research uses the </a:t>
+            </a:r>
+            <a:r>
+              <a:rPr lang="en-US" sz="4000" i="1" dirty="0">
+                <a:latin typeface="Times New Roman" panose="02020603050405020304" pitchFamily="18" charset="0"/>
+                <a:cs typeface="Times New Roman" panose="02020603050405020304" pitchFamily="18" charset="0"/>
+              </a:rPr>
+              <a:t>Sebastes</a:t>
+            </a:r>
+            <a:r>
+              <a:rPr lang="en-US" sz="4000" dirty="0">
+                <a:latin typeface="Times New Roman" panose="02020603050405020304" pitchFamily="18" charset="0"/>
+                <a:cs typeface="Times New Roman" panose="02020603050405020304" pitchFamily="18" charset="0"/>
+              </a:rPr>
+              <a:t> genome collection from NCBI to extract orthologous </a:t>
+            </a:r>
+            <a:r>
+              <a:rPr lang="en-US" sz="4000" dirty="0" err="1">
+                <a:latin typeface="Times New Roman" panose="02020603050405020304" pitchFamily="18" charset="0"/>
+                <a:cs typeface="Times New Roman" panose="02020603050405020304" pitchFamily="18" charset="0"/>
+              </a:rPr>
+              <a:t>stonustoxins</a:t>
+            </a:r>
+            <a:r>
+              <a:rPr lang="en-US" sz="4000" dirty="0">
+                <a:latin typeface="Times New Roman" panose="02020603050405020304" pitchFamily="18" charset="0"/>
+                <a:cs typeface="Times New Roman" panose="02020603050405020304" pitchFamily="18" charset="0"/>
+              </a:rPr>
+              <a:t>, a group of venom genes that includes venom from lionfish (</a:t>
+            </a:r>
+            <a:r>
+              <a:rPr lang="en-US" sz="4000" i="1" dirty="0">
+                <a:latin typeface="Times New Roman" panose="02020603050405020304" pitchFamily="18" charset="0"/>
+                <a:cs typeface="Times New Roman" panose="02020603050405020304" pitchFamily="18" charset="0"/>
+              </a:rPr>
+              <a:t>Pterois</a:t>
+            </a:r>
+            <a:r>
+              <a:rPr lang="en-US" sz="4000" dirty="0">
+                <a:latin typeface="Times New Roman" panose="02020603050405020304" pitchFamily="18" charset="0"/>
+                <a:cs typeface="Times New Roman" panose="02020603050405020304" pitchFamily="18" charset="0"/>
+              </a:rPr>
+              <a:t>) and stonefish (</a:t>
+            </a:r>
+            <a:r>
+              <a:rPr lang="en-US" sz="4000" i="1" dirty="0" err="1">
+                <a:latin typeface="Times New Roman" panose="02020603050405020304" pitchFamily="18" charset="0"/>
+                <a:cs typeface="Times New Roman" panose="02020603050405020304" pitchFamily="18" charset="0"/>
+              </a:rPr>
+              <a:t>Synanceia</a:t>
+            </a:r>
+            <a:r>
+              <a:rPr lang="en-US" sz="4000" dirty="0">
+                <a:latin typeface="Times New Roman" panose="02020603050405020304" pitchFamily="18" charset="0"/>
+                <a:cs typeface="Times New Roman" panose="02020603050405020304" pitchFamily="18" charset="0"/>
+              </a:rPr>
+              <a:t>). We built phylogenies to understand the evolutionary history of the gene; we looked for selection signatures, and we overlaid ecological characteristics to detect associations. Studying the evolution of venom in fish is useful for understanding adaptive potential for species interactions as well as diversification of a speciose genus of fishes.</a:t>
+            </a:r>
+          </a:p>
+        </p:txBody>
+      </p:sp>
+      <p:pic>
+        <p:nvPicPr>
+          <p:cNvPr id="18" name="Picture 17">
             <a:extLst>
               <a:ext uri="{FF2B5EF4-FFF2-40B4-BE49-F238E27FC236}">
-                <a16:creationId xmlns:a16="http://schemas.microsoft.com/office/drawing/2014/main" id="{088592F3-D50C-C5F4-60D6-A62E7278E538}"/>
-              </a:ext>
-            </a:extLst>
-          </p:cNvPr>
-          <p:cNvSpPr txBox="1"/>
-          <p:nvPr/>
-        </p:nvSpPr>
-        <p:spPr>
-          <a:xfrm>
-            <a:off x="3786186" y="3394620"/>
-            <a:ext cx="26174700" cy="923330"/>
-          </a:xfrm>
-          <a:prstGeom prst="rect">
-            <a:avLst/>
-          </a:prstGeom>
-          <a:noFill/>
-        </p:spPr>
-        <p:txBody>
-          <a:bodyPr wrap="square" rtlCol="0">
-            <a:spAutoFit/>
-          </a:bodyPr>
-          <a:lstStyle/>
-          <a:p>
-            <a:pPr algn="ctr"/>
-            <a:r>
-              <a:rPr lang="en-US" sz="5400" dirty="0">
-                <a:latin typeface="Times New Roman" panose="02020603050405020304" pitchFamily="18" charset="0"/>
-                <a:cs typeface="Times New Roman" panose="02020603050405020304" pitchFamily="18" charset="0"/>
-              </a:rPr>
-              <a:t>Author: Ambrosio Rivera, Dr. Giacomo Bernardi, Eric Witte</a:t>
-            </a:r>
-          </a:p>
-        </p:txBody>
-      </p:sp>
-      <p:pic>
-        <p:nvPicPr>
-          <p:cNvPr id="11" name="Picture 10">
-            <a:extLst>
-              <a:ext uri="{FF2B5EF4-FFF2-40B4-BE49-F238E27FC236}">
-                <a16:creationId xmlns:a16="http://schemas.microsoft.com/office/drawing/2014/main" id="{7E9F88CE-E438-D058-7E75-F19F4049E780}"/>
+                <a16:creationId xmlns:a16="http://schemas.microsoft.com/office/drawing/2014/main" id="{2F47648D-12CA-115D-050E-76D0458B22BE}"/>
               </a:ext>
             </a:extLst>
           </p:cNvPr>
@@ -3253,205 +3413,8 @@
         </p:blipFill>
         <p:spPr>
           <a:xfrm>
-            <a:off x="1488393" y="33712461"/>
-            <a:ext cx="5655357" cy="5655357"/>
-          </a:xfrm>
-          <a:prstGeom prst="rect">
-            <a:avLst/>
-          </a:prstGeom>
-        </p:spPr>
-      </p:pic>
-      <p:sp>
-        <p:nvSpPr>
-          <p:cNvPr id="12" name="TextBox 11">
-            <a:extLst>
-              <a:ext uri="{FF2B5EF4-FFF2-40B4-BE49-F238E27FC236}">
-                <a16:creationId xmlns:a16="http://schemas.microsoft.com/office/drawing/2014/main" id="{7137240A-5E3C-3ECB-AB64-79466AC4B55D}"/>
-              </a:ext>
-            </a:extLst>
-          </p:cNvPr>
-          <p:cNvSpPr txBox="1"/>
-          <p:nvPr/>
-        </p:nvSpPr>
-        <p:spPr>
-          <a:xfrm>
-            <a:off x="2314574" y="4520960"/>
-            <a:ext cx="28689301" cy="5940088"/>
-          </a:xfrm>
-          <a:prstGeom prst="rect">
-            <a:avLst/>
-          </a:prstGeom>
-          <a:noFill/>
-        </p:spPr>
-        <p:txBody>
-          <a:bodyPr wrap="square" rtlCol="0">
-            <a:spAutoFit/>
-          </a:bodyPr>
-          <a:lstStyle/>
-          <a:p>
-            <a:pPr algn="ctr"/>
-            <a:r>
-              <a:rPr lang="en-US" sz="6000" b="1" dirty="0">
-                <a:latin typeface="Times New Roman" panose="02020603050405020304" pitchFamily="18" charset="0"/>
-                <a:cs typeface="Times New Roman" panose="02020603050405020304" pitchFamily="18" charset="0"/>
-              </a:rPr>
-              <a:t>Abstract</a:t>
-            </a:r>
-          </a:p>
-          <a:p>
-            <a:pPr algn="ctr"/>
-            <a:r>
-              <a:rPr lang="en-US" sz="4000" dirty="0">
-                <a:latin typeface="Times New Roman" panose="02020603050405020304" pitchFamily="18" charset="0"/>
-                <a:cs typeface="Times New Roman" panose="02020603050405020304" pitchFamily="18" charset="0"/>
-              </a:rPr>
-              <a:t>Rockfish, or </a:t>
-            </a:r>
-            <a:r>
-              <a:rPr lang="en-US" sz="4000" i="1" dirty="0">
-                <a:latin typeface="Times New Roman" panose="02020603050405020304" pitchFamily="18" charset="0"/>
-                <a:cs typeface="Times New Roman" panose="02020603050405020304" pitchFamily="18" charset="0"/>
-              </a:rPr>
-              <a:t>Sebastes,</a:t>
-            </a:r>
-            <a:r>
-              <a:rPr lang="en-US" sz="4000" dirty="0">
-                <a:latin typeface="Times New Roman" panose="02020603050405020304" pitchFamily="18" charset="0"/>
-                <a:cs typeface="Times New Roman" panose="02020603050405020304" pitchFamily="18" charset="0"/>
-              </a:rPr>
-              <a:t> is a highly diverse genus of fish primarily located in the Eastern Pacific, and is important for fisheries and coastal ecosystems. Research suggests that organisms with venom production have accelerated evolutionary rates compared to other lineages without a venom system (Yang, Siqi, et al., 2025). </a:t>
-            </a:r>
-            <a:r>
-              <a:rPr lang="en-US" sz="4000" i="1" dirty="0">
-                <a:latin typeface="Times New Roman" panose="02020603050405020304" pitchFamily="18" charset="0"/>
-                <a:cs typeface="Times New Roman" panose="02020603050405020304" pitchFamily="18" charset="0"/>
-              </a:rPr>
-              <a:t>Sebastes </a:t>
-            </a:r>
-            <a:r>
-              <a:rPr lang="en-US" sz="4000" dirty="0">
-                <a:latin typeface="Times New Roman" panose="02020603050405020304" pitchFamily="18" charset="0"/>
-                <a:cs typeface="Times New Roman" panose="02020603050405020304" pitchFamily="18" charset="0"/>
-              </a:rPr>
-              <a:t>is closely related to venomous species including </a:t>
-            </a:r>
-            <a:r>
-              <a:rPr lang="en-US" sz="4000" i="1" dirty="0">
-                <a:latin typeface="Times New Roman" panose="02020603050405020304" pitchFamily="18" charset="0"/>
-                <a:cs typeface="Times New Roman" panose="02020603050405020304" pitchFamily="18" charset="0"/>
-              </a:rPr>
-              <a:t>Pterois sp.</a:t>
-            </a:r>
-            <a:r>
-              <a:rPr lang="en-US" sz="4000" dirty="0">
-                <a:latin typeface="Times New Roman" panose="02020603050405020304" pitchFamily="18" charset="0"/>
-                <a:cs typeface="Times New Roman" panose="02020603050405020304" pitchFamily="18" charset="0"/>
-              </a:rPr>
-              <a:t>, and there is a lack of data on the evolution of venom in the genes </a:t>
-            </a:r>
-            <a:r>
-              <a:rPr lang="en-US" sz="4000" i="1" dirty="0">
-                <a:latin typeface="Times New Roman" panose="02020603050405020304" pitchFamily="18" charset="0"/>
-                <a:cs typeface="Times New Roman" panose="02020603050405020304" pitchFamily="18" charset="0"/>
-              </a:rPr>
-              <a:t>Sebastes</a:t>
-            </a:r>
-            <a:r>
-              <a:rPr lang="en-US" sz="4000" dirty="0">
-                <a:latin typeface="Times New Roman" panose="02020603050405020304" pitchFamily="18" charset="0"/>
-                <a:cs typeface="Times New Roman" panose="02020603050405020304" pitchFamily="18" charset="0"/>
-              </a:rPr>
-              <a:t> ( Lee, Sung-Gwon, et al.,2025). This research uses the </a:t>
-            </a:r>
-            <a:r>
-              <a:rPr lang="en-US" sz="4000" i="1" dirty="0">
-                <a:latin typeface="Times New Roman" panose="02020603050405020304" pitchFamily="18" charset="0"/>
-                <a:cs typeface="Times New Roman" panose="02020603050405020304" pitchFamily="18" charset="0"/>
-              </a:rPr>
-              <a:t>Sebastes</a:t>
-            </a:r>
-            <a:r>
-              <a:rPr lang="en-US" sz="4000" dirty="0">
-                <a:latin typeface="Times New Roman" panose="02020603050405020304" pitchFamily="18" charset="0"/>
-                <a:cs typeface="Times New Roman" panose="02020603050405020304" pitchFamily="18" charset="0"/>
-              </a:rPr>
-              <a:t> genome collection from NCBI to extract orthologous </a:t>
-            </a:r>
-            <a:r>
-              <a:rPr lang="en-US" sz="4000" dirty="0" err="1">
-                <a:latin typeface="Times New Roman" panose="02020603050405020304" pitchFamily="18" charset="0"/>
-                <a:cs typeface="Times New Roman" panose="02020603050405020304" pitchFamily="18" charset="0"/>
-              </a:rPr>
-              <a:t>stonustoxins</a:t>
-            </a:r>
-            <a:r>
-              <a:rPr lang="en-US" sz="4000" dirty="0">
-                <a:latin typeface="Times New Roman" panose="02020603050405020304" pitchFamily="18" charset="0"/>
-                <a:cs typeface="Times New Roman" panose="02020603050405020304" pitchFamily="18" charset="0"/>
-              </a:rPr>
-              <a:t>, a group of venom genes that includes venom from lionfish (</a:t>
-            </a:r>
-            <a:r>
-              <a:rPr lang="en-US" sz="4000" i="1" dirty="0">
-                <a:latin typeface="Times New Roman" panose="02020603050405020304" pitchFamily="18" charset="0"/>
-                <a:cs typeface="Times New Roman" panose="02020603050405020304" pitchFamily="18" charset="0"/>
-              </a:rPr>
-              <a:t>Pterois</a:t>
-            </a:r>
-            <a:r>
-              <a:rPr lang="en-US" sz="4000" dirty="0">
-                <a:latin typeface="Times New Roman" panose="02020603050405020304" pitchFamily="18" charset="0"/>
-                <a:cs typeface="Times New Roman" panose="02020603050405020304" pitchFamily="18" charset="0"/>
-              </a:rPr>
-              <a:t>) and stonefish (</a:t>
-            </a:r>
-            <a:r>
-              <a:rPr lang="en-US" sz="4000" i="1" dirty="0" err="1">
-                <a:latin typeface="Times New Roman" panose="02020603050405020304" pitchFamily="18" charset="0"/>
-                <a:cs typeface="Times New Roman" panose="02020603050405020304" pitchFamily="18" charset="0"/>
-              </a:rPr>
-              <a:t>Synanceia</a:t>
-            </a:r>
-            <a:r>
-              <a:rPr lang="en-US" sz="4000" dirty="0">
-                <a:latin typeface="Times New Roman" panose="02020603050405020304" pitchFamily="18" charset="0"/>
-                <a:cs typeface="Times New Roman" panose="02020603050405020304" pitchFamily="18" charset="0"/>
-              </a:rPr>
-              <a:t>). We built phylogenies to understand the evolutionary history of the gene; we looked for selection signatures and we overlaid ecological characteristics to detect associations. Studying the evolution of venom in fish is useful for understanding adaptive potential for species interactions as well as diversification of a speciose genus of fishes.</a:t>
-            </a:r>
-          </a:p>
-        </p:txBody>
-      </p:sp>
-      <p:pic>
-        <p:nvPicPr>
-          <p:cNvPr id="18" name="Picture 17">
-            <a:extLst>
-              <a:ext uri="{FF2B5EF4-FFF2-40B4-BE49-F238E27FC236}">
-                <a16:creationId xmlns:a16="http://schemas.microsoft.com/office/drawing/2014/main" id="{2F47648D-12CA-115D-050E-76D0458B22BE}"/>
-              </a:ext>
-            </a:extLst>
-          </p:cNvPr>
-          <p:cNvPicPr>
-            <a:picLocks noChangeAspect="1"/>
-          </p:cNvPicPr>
-          <p:nvPr/>
-        </p:nvPicPr>
-        <p:blipFill>
-          <a:blip r:embed="rId4">
-            <a:extLst>
-              <a:ext uri="{28A0092B-C50C-407E-A947-70E740481C1C}">
-                <a14:useLocalDpi xmlns:a14="http://schemas.microsoft.com/office/drawing/2010/main" val="0"/>
-              </a:ext>
-            </a:extLst>
-          </a:blip>
-          <a:stretch>
-            <a:fillRect/>
-          </a:stretch>
-        </p:blipFill>
-        <p:spPr>
-          <a:xfrm>
-            <a:off x="24969076" y="33204149"/>
-            <a:ext cx="6034799" cy="5828129"/>
+            <a:off x="25533598" y="32875173"/>
+            <a:ext cx="5667809" cy="5473707"/>
           </a:xfrm>
           <a:prstGeom prst="rect">
             <a:avLst/>
@@ -3472,8 +3435,8 @@
         </p:nvSpPr>
         <p:spPr>
           <a:xfrm>
-            <a:off x="1914525" y="10793207"/>
-            <a:ext cx="29089350" cy="1015663"/>
+            <a:off x="1914525" y="10619573"/>
+            <a:ext cx="29089350" cy="830997"/>
           </a:xfrm>
           <a:prstGeom prst="rect">
             <a:avLst/>
@@ -3488,12 +3451,16 @@
           <a:p>
             <a:pPr algn="ctr"/>
             <a:r>
-              <a:rPr lang="en-US" sz="6000" b="1" dirty="0">
+              <a:rPr lang="en-US" sz="4800" b="1" dirty="0">
                 <a:latin typeface="Times New Roman" panose="02020603050405020304" pitchFamily="18" charset="0"/>
                 <a:cs typeface="Times New Roman" panose="02020603050405020304" pitchFamily="18" charset="0"/>
               </a:rPr>
               <a:t>Methods</a:t>
             </a:r>
+            <a:endParaRPr lang="en-US" sz="4800" i="1" dirty="0">
+              <a:latin typeface="Times New Roman" panose="02020603050405020304" pitchFamily="18" charset="0"/>
+              <a:cs typeface="Times New Roman" panose="02020603050405020304" pitchFamily="18" charset="0"/>
+            </a:endParaRPr>
           </a:p>
         </p:txBody>
       </p:sp>
@@ -3511,8 +3478,8 @@
         </p:nvSpPr>
         <p:spPr>
           <a:xfrm>
-            <a:off x="1914525" y="13286840"/>
-            <a:ext cx="29089350" cy="1015663"/>
+            <a:off x="1889984" y="13388012"/>
+            <a:ext cx="29089350" cy="830997"/>
           </a:xfrm>
           <a:prstGeom prst="rect">
             <a:avLst/>
@@ -3527,7 +3494,7 @@
           <a:p>
             <a:pPr algn="ctr"/>
             <a:r>
-              <a:rPr lang="en-US" sz="6000" b="1" dirty="0">
+              <a:rPr lang="en-US" sz="4800" b="1" dirty="0">
                 <a:latin typeface="Times New Roman" panose="02020603050405020304" pitchFamily="18" charset="0"/>
                 <a:cs typeface="Times New Roman" panose="02020603050405020304" pitchFamily="18" charset="0"/>
               </a:rPr>
@@ -3550,8 +3517,8 @@
         </p:nvSpPr>
         <p:spPr>
           <a:xfrm>
-            <a:off x="2112057" y="29284345"/>
-            <a:ext cx="29089350" cy="1015663"/>
+            <a:off x="2066925" y="28557223"/>
+            <a:ext cx="29089350" cy="830997"/>
           </a:xfrm>
           <a:prstGeom prst="rect">
             <a:avLst/>
@@ -3566,11 +3533,11 @@
           <a:p>
             <a:pPr algn="ctr"/>
             <a:r>
-              <a:rPr lang="en-US" sz="6000" b="1" dirty="0">
-                <a:latin typeface="Times New Roman" panose="02020603050405020304" pitchFamily="18" charset="0"/>
-                <a:cs typeface="Times New Roman" panose="02020603050405020304" pitchFamily="18" charset="0"/>
-              </a:rPr>
-              <a:t>Discussion</a:t>
+              <a:rPr lang="en-US" sz="4800" b="1" dirty="0">
+                <a:latin typeface="Times New Roman" panose="02020603050405020304" pitchFamily="18" charset="0"/>
+                <a:cs typeface="Times New Roman" panose="02020603050405020304" pitchFamily="18" charset="0"/>
+              </a:rPr>
+              <a:t>Next steps</a:t>
             </a:r>
           </a:p>
         </p:txBody>
@@ -3589,8 +3556,8 @@
         </p:nvSpPr>
         <p:spPr>
           <a:xfrm>
-            <a:off x="2066925" y="31920995"/>
-            <a:ext cx="29089350" cy="1015663"/>
+            <a:off x="1716993" y="30606357"/>
+            <a:ext cx="29262341" cy="3524042"/>
           </a:xfrm>
           <a:prstGeom prst="rect">
             <a:avLst/>
@@ -3605,12 +3572,231 @@
           <a:p>
             <a:pPr algn="ctr"/>
             <a:r>
-              <a:rPr lang="en-US" sz="6000" b="1" dirty="0">
+              <a:rPr lang="en-US" sz="4800" b="1" dirty="0">
                 <a:latin typeface="Times New Roman" panose="02020603050405020304" pitchFamily="18" charset="0"/>
                 <a:cs typeface="Times New Roman" panose="02020603050405020304" pitchFamily="18" charset="0"/>
               </a:rPr>
               <a:t>References</a:t>
             </a:r>
+          </a:p>
+          <a:p>
+            <a:r>
+              <a:rPr lang="en-US" sz="2500" dirty="0">
+                <a:latin typeface="Times New Roman" panose="02020603050405020304" pitchFamily="18" charset="0"/>
+                <a:cs typeface="Times New Roman" panose="02020603050405020304" pitchFamily="18" charset="0"/>
+              </a:rPr>
+              <a:t>Lee, Sung-Gwon, et al. “Complete mitogenomes of venomous fish </a:t>
+            </a:r>
+            <a:r>
+              <a:rPr lang="en-US" sz="2500" dirty="0" err="1">
+                <a:latin typeface="Times New Roman" panose="02020603050405020304" pitchFamily="18" charset="0"/>
+                <a:cs typeface="Times New Roman" panose="02020603050405020304" pitchFamily="18" charset="0"/>
+              </a:rPr>
+              <a:t>paracentropogon</a:t>
+            </a:r>
+            <a:r>
+              <a:rPr lang="en-US" sz="2500" dirty="0">
+                <a:latin typeface="Times New Roman" panose="02020603050405020304" pitchFamily="18" charset="0"/>
+                <a:cs typeface="Times New Roman" panose="02020603050405020304" pitchFamily="18" charset="0"/>
+              </a:rPr>
+              <a:t> </a:t>
+            </a:r>
+            <a:r>
+              <a:rPr lang="en-US" sz="2500" dirty="0" err="1">
+                <a:latin typeface="Times New Roman" panose="02020603050405020304" pitchFamily="18" charset="0"/>
+                <a:cs typeface="Times New Roman" panose="02020603050405020304" pitchFamily="18" charset="0"/>
+              </a:rPr>
+              <a:t>rubripinnis</a:t>
+            </a:r>
+            <a:r>
+              <a:rPr lang="en-US" sz="2500" dirty="0">
+                <a:latin typeface="Times New Roman" panose="02020603050405020304" pitchFamily="18" charset="0"/>
+                <a:cs typeface="Times New Roman" panose="02020603050405020304" pitchFamily="18" charset="0"/>
+              </a:rPr>
+              <a:t> and </a:t>
+            </a:r>
+            <a:r>
+              <a:rPr lang="en-US" sz="2500" dirty="0" err="1">
+                <a:latin typeface="Times New Roman" panose="02020603050405020304" pitchFamily="18" charset="0"/>
+                <a:cs typeface="Times New Roman" panose="02020603050405020304" pitchFamily="18" charset="0"/>
+              </a:rPr>
+              <a:t>inimicus</a:t>
+            </a:r>
+            <a:r>
+              <a:rPr lang="en-US" sz="2500" dirty="0">
+                <a:latin typeface="Times New Roman" panose="02020603050405020304" pitchFamily="18" charset="0"/>
+                <a:cs typeface="Times New Roman" panose="02020603050405020304" pitchFamily="18" charset="0"/>
+              </a:rPr>
+              <a:t> japonicus elucidate phylogenetic relationships in </a:t>
+            </a:r>
+            <a:r>
+              <a:rPr lang="en-US" sz="2500" dirty="0" err="1">
+                <a:latin typeface="Times New Roman" panose="02020603050405020304" pitchFamily="18" charset="0"/>
+                <a:cs typeface="Times New Roman" panose="02020603050405020304" pitchFamily="18" charset="0"/>
+              </a:rPr>
+              <a:t>scorpaeniformes</a:t>
+            </a:r>
+            <a:r>
+              <a:rPr lang="en-US" sz="2500" dirty="0">
+                <a:latin typeface="Times New Roman" panose="02020603050405020304" pitchFamily="18" charset="0"/>
+                <a:cs typeface="Times New Roman" panose="02020603050405020304" pitchFamily="18" charset="0"/>
+              </a:rPr>
+              <a:t>.” </a:t>
+            </a:r>
+            <a:r>
+              <a:rPr lang="en-US" sz="2500" i="1" dirty="0">
+                <a:latin typeface="Times New Roman" panose="02020603050405020304" pitchFamily="18" charset="0"/>
+                <a:cs typeface="Times New Roman" panose="02020603050405020304" pitchFamily="18" charset="0"/>
+              </a:rPr>
+              <a:t>Scientific Reports</a:t>
+            </a:r>
+            <a:r>
+              <a:rPr lang="en-US" sz="2500" dirty="0">
+                <a:latin typeface="Times New Roman" panose="02020603050405020304" pitchFamily="18" charset="0"/>
+                <a:cs typeface="Times New Roman" panose="02020603050405020304" pitchFamily="18" charset="0"/>
+              </a:rPr>
+              <a:t>, vol. 15, no. 1, 5 Aug. 2025, https://doi.org/10.1038/s41598-025-05085-y. </a:t>
+            </a:r>
+            <a:endParaRPr lang="da-DK" sz="2500" dirty="0">
+              <a:latin typeface="Times New Roman" panose="02020603050405020304" pitchFamily="18" charset="0"/>
+              <a:cs typeface="Times New Roman" panose="02020603050405020304" pitchFamily="18" charset="0"/>
+            </a:endParaRPr>
+          </a:p>
+          <a:p>
+            <a:r>
+              <a:rPr lang="en-US" sz="2500" dirty="0">
+                <a:latin typeface="Times New Roman" panose="02020603050405020304" pitchFamily="18" charset="0"/>
+                <a:cs typeface="Times New Roman" panose="02020603050405020304" pitchFamily="18" charset="0"/>
+              </a:rPr>
+              <a:t>Tang, </a:t>
+            </a:r>
+            <a:r>
+              <a:rPr lang="en-US" sz="2500" dirty="0" err="1">
+                <a:latin typeface="Times New Roman" panose="02020603050405020304" pitchFamily="18" charset="0"/>
+                <a:cs typeface="Times New Roman" panose="02020603050405020304" pitchFamily="18" charset="0"/>
+              </a:rPr>
+              <a:t>Tianle</a:t>
+            </a:r>
+            <a:r>
+              <a:rPr lang="en-US" sz="2500" dirty="0">
+                <a:latin typeface="Times New Roman" panose="02020603050405020304" pitchFamily="18" charset="0"/>
+                <a:cs typeface="Times New Roman" panose="02020603050405020304" pitchFamily="18" charset="0"/>
+              </a:rPr>
+              <a:t>, et al. “A chromosome-level genome assembly of the Reef Stonefish (</a:t>
+            </a:r>
+            <a:r>
+              <a:rPr lang="en-US" sz="2500" i="1" dirty="0" err="1">
+                <a:latin typeface="Times New Roman" panose="02020603050405020304" pitchFamily="18" charset="0"/>
+                <a:cs typeface="Times New Roman" panose="02020603050405020304" pitchFamily="18" charset="0"/>
+              </a:rPr>
+              <a:t>synanceia</a:t>
+            </a:r>
+            <a:r>
+              <a:rPr lang="en-US" sz="2500" i="1" dirty="0">
+                <a:latin typeface="Times New Roman" panose="02020603050405020304" pitchFamily="18" charset="0"/>
+                <a:cs typeface="Times New Roman" panose="02020603050405020304" pitchFamily="18" charset="0"/>
+              </a:rPr>
+              <a:t> verrucosa</a:t>
+            </a:r>
+            <a:r>
+              <a:rPr lang="en-US" sz="2500" dirty="0">
+                <a:latin typeface="Times New Roman" panose="02020603050405020304" pitchFamily="18" charset="0"/>
+                <a:cs typeface="Times New Roman" panose="02020603050405020304" pitchFamily="18" charset="0"/>
+              </a:rPr>
+              <a:t>) provides novel insights into </a:t>
+            </a:r>
+            <a:r>
+              <a:rPr lang="en-US" sz="2500" dirty="0" err="1">
+                <a:latin typeface="Times New Roman" panose="02020603050405020304" pitchFamily="18" charset="0"/>
+                <a:cs typeface="Times New Roman" panose="02020603050405020304" pitchFamily="18" charset="0"/>
+              </a:rPr>
+              <a:t>stonustoxin</a:t>
+            </a:r>
+            <a:r>
+              <a:rPr lang="en-US" sz="2500" dirty="0">
+                <a:latin typeface="Times New Roman" panose="02020603050405020304" pitchFamily="18" charset="0"/>
+                <a:cs typeface="Times New Roman" panose="02020603050405020304" pitchFamily="18" charset="0"/>
+              </a:rPr>
+              <a:t> (</a:t>
+            </a:r>
+            <a:r>
+              <a:rPr lang="en-US" sz="2500" i="1" dirty="0" err="1">
+                <a:latin typeface="Times New Roman" panose="02020603050405020304" pitchFamily="18" charset="0"/>
+                <a:cs typeface="Times New Roman" panose="02020603050405020304" pitchFamily="18" charset="0"/>
+              </a:rPr>
+              <a:t>sntx</a:t>
+            </a:r>
+            <a:r>
+              <a:rPr lang="en-US" sz="2500" dirty="0">
+                <a:latin typeface="Times New Roman" panose="02020603050405020304" pitchFamily="18" charset="0"/>
+                <a:cs typeface="Times New Roman" panose="02020603050405020304" pitchFamily="18" charset="0"/>
+              </a:rPr>
+              <a:t>) genes.” </a:t>
+            </a:r>
+            <a:r>
+              <a:rPr lang="en-US" sz="2500" i="1" dirty="0">
+                <a:latin typeface="Times New Roman" panose="02020603050405020304" pitchFamily="18" charset="0"/>
+                <a:cs typeface="Times New Roman" panose="02020603050405020304" pitchFamily="18" charset="0"/>
+              </a:rPr>
+              <a:t>Molecular Biology and Evolution</a:t>
+            </a:r>
+            <a:r>
+              <a:rPr lang="en-US" sz="2500" dirty="0">
+                <a:latin typeface="Times New Roman" panose="02020603050405020304" pitchFamily="18" charset="0"/>
+                <a:cs typeface="Times New Roman" panose="02020603050405020304" pitchFamily="18" charset="0"/>
+              </a:rPr>
+              <a:t>, vol. 40, no. 10, 14 Sept. 2023, </a:t>
+            </a:r>
+            <a:r>
+              <a:rPr lang="en-US" sz="2500" dirty="0">
+                <a:latin typeface="Times New Roman" panose="02020603050405020304" pitchFamily="18" charset="0"/>
+                <a:cs typeface="Times New Roman" panose="02020603050405020304" pitchFamily="18" charset="0"/>
+                <a:hlinkClick r:id="rId4"/>
+              </a:rPr>
+              <a:t>https://doi.org/10.1093/molbev/msad215</a:t>
+            </a:r>
+            <a:r>
+              <a:rPr lang="en-US" sz="2500" dirty="0">
+                <a:latin typeface="Times New Roman" panose="02020603050405020304" pitchFamily="18" charset="0"/>
+                <a:cs typeface="Times New Roman" panose="02020603050405020304" pitchFamily="18" charset="0"/>
+              </a:rPr>
+              <a:t>.</a:t>
+            </a:r>
+          </a:p>
+          <a:p>
+            <a:r>
+              <a:rPr lang="en-US" sz="2500" dirty="0">
+                <a:latin typeface="Times New Roman" panose="02020603050405020304" pitchFamily="18" charset="0"/>
+                <a:cs typeface="Times New Roman" panose="02020603050405020304" pitchFamily="18" charset="0"/>
+              </a:rPr>
+              <a:t>Yang, Siqi, et al. “Evolution of phospholipase  A2  in bees and flies.” </a:t>
+            </a:r>
+            <a:r>
+              <a:rPr lang="en-US" sz="2500" i="1" dirty="0">
+                <a:latin typeface="Times New Roman" panose="02020603050405020304" pitchFamily="18" charset="0"/>
+                <a:cs typeface="Times New Roman" panose="02020603050405020304" pitchFamily="18" charset="0"/>
+              </a:rPr>
+              <a:t>Ecology and Evolution</a:t>
+            </a:r>
+            <a:r>
+              <a:rPr lang="en-US" sz="2500" dirty="0">
+                <a:latin typeface="Times New Roman" panose="02020603050405020304" pitchFamily="18" charset="0"/>
+                <a:cs typeface="Times New Roman" panose="02020603050405020304" pitchFamily="18" charset="0"/>
+              </a:rPr>
+              <a:t>, vol. 15, no. 10, Oct. 2025, https://doi.org/10.1002/ece3.72385. </a:t>
+            </a:r>
+          </a:p>
+          <a:p>
+            <a:endParaRPr lang="en-US" sz="2500" dirty="0">
+              <a:latin typeface="Times New Roman" panose="02020603050405020304" pitchFamily="18" charset="0"/>
+              <a:cs typeface="Times New Roman" panose="02020603050405020304" pitchFamily="18" charset="0"/>
+            </a:endParaRPr>
+          </a:p>
+          <a:p>
+            <a:endParaRPr lang="en-US" sz="2500" b="1" dirty="0">
+              <a:latin typeface="Times New Roman" panose="02020603050405020304" pitchFamily="18" charset="0"/>
+              <a:cs typeface="Times New Roman" panose="02020603050405020304" pitchFamily="18" charset="0"/>
+            </a:endParaRPr>
           </a:p>
         </p:txBody>
       </p:sp>
@@ -3642,8 +3828,8 @@
         </p:blipFill>
         <p:spPr>
           <a:xfrm>
-            <a:off x="7869027" y="36956616"/>
-            <a:ext cx="6641606" cy="1362459"/>
+            <a:off x="8328463" y="35780240"/>
+            <a:ext cx="10895165" cy="2235034"/>
           </a:xfrm>
           <a:prstGeom prst="rect">
             <a:avLst/>
@@ -3665,7 +3851,7 @@
         <p:spPr>
           <a:xfrm>
             <a:off x="2066925" y="33864861"/>
-            <a:ext cx="29089350" cy="1015663"/>
+            <a:ext cx="29089350" cy="830997"/>
           </a:xfrm>
           <a:prstGeom prst="rect">
             <a:avLst/>
@@ -3680,7 +3866,7 @@
           <a:p>
             <a:pPr algn="ctr"/>
             <a:r>
-              <a:rPr lang="en-US" sz="6000" b="1" dirty="0">
+              <a:rPr lang="en-US" sz="4800" b="1" dirty="0">
                 <a:latin typeface="Times New Roman" panose="02020603050405020304" pitchFamily="18" charset="0"/>
                 <a:cs typeface="Times New Roman" panose="02020603050405020304" pitchFamily="18" charset="0"/>
               </a:rPr>
@@ -3689,57 +3875,406 @@
           </a:p>
         </p:txBody>
       </p:sp>
-      <p:sp>
-        <p:nvSpPr>
-          <p:cNvPr id="27" name="Rectangle: Rounded Corners 26">
+      <p:pic>
+        <p:nvPicPr>
+          <p:cNvPr id="3" name="Picture 2">
             <a:extLst>
               <a:ext uri="{FF2B5EF4-FFF2-40B4-BE49-F238E27FC236}">
-                <a16:creationId xmlns:a16="http://schemas.microsoft.com/office/drawing/2014/main" id="{ED0D46E6-F066-762E-C9E0-DD2CF45D49B6}"/>
+                <a16:creationId xmlns:a16="http://schemas.microsoft.com/office/drawing/2014/main" id="{FB5A4405-33A3-2B88-4F3B-DD46FA2B36E9}"/>
               </a:ext>
             </a:extLst>
           </p:cNvPr>
-          <p:cNvSpPr/>
+          <p:cNvPicPr>
+            <a:picLocks noChangeAspect="1"/>
+          </p:cNvPicPr>
           <p:nvPr/>
-        </p:nvSpPr>
+        </p:nvPicPr>
+        <p:blipFill>
+          <a:blip r:embed="rId6">
+            <a:extLst>
+              <a:ext uri="{28A0092B-C50C-407E-A947-70E740481C1C}">
+                <a14:useLocalDpi xmlns:a14="http://schemas.microsoft.com/office/drawing/2010/main" val="0"/>
+              </a:ext>
+            </a:extLst>
+          </a:blip>
+          <a:stretch>
+            <a:fillRect/>
+          </a:stretch>
+        </p:blipFill>
         <p:spPr>
           <a:xfrm>
-            <a:off x="3945467" y="24358600"/>
-            <a:ext cx="12589933" cy="401334"/>
+            <a:off x="19977348" y="35174483"/>
+            <a:ext cx="4631643" cy="3328993"/>
           </a:xfrm>
-          <a:prstGeom prst="roundRect">
+          <a:prstGeom prst="rect">
             <a:avLst/>
           </a:prstGeom>
-          <a:solidFill>
-            <a:schemeClr val="accent1">
-              <a:alpha val="32000"/>
-            </a:schemeClr>
-          </a:solidFill>
-          <a:ln>
-            <a:noFill/>
-          </a:ln>
         </p:spPr>
-        <p:style>
-          <a:lnRef idx="2">
-            <a:schemeClr val="accent1">
-              <a:shade val="15000"/>
-            </a:schemeClr>
-          </a:lnRef>
-          <a:fillRef idx="1">
-            <a:schemeClr val="accent1"/>
-          </a:fillRef>
-          <a:effectRef idx="0">
-            <a:schemeClr val="accent1"/>
-          </a:effectRef>
-          <a:fontRef idx="minor">
-            <a:schemeClr val="lt1"/>
-          </a:fontRef>
-        </p:style>
-        <p:txBody>
-          <a:bodyPr rtlCol="0" anchor="ctr"/>
+      </p:pic>
+      <p:sp>
+        <p:nvSpPr>
+          <p:cNvPr id="4" name="TextBox 3">
+            <a:extLst>
+              <a:ext uri="{FF2B5EF4-FFF2-40B4-BE49-F238E27FC236}">
+                <a16:creationId xmlns:a16="http://schemas.microsoft.com/office/drawing/2014/main" id="{EACD1867-63A3-67CB-95A8-DA0A1DA8665B}"/>
+              </a:ext>
+            </a:extLst>
+          </p:cNvPr>
+          <p:cNvSpPr txBox="1"/>
+          <p:nvPr/>
+        </p:nvSpPr>
+        <p:spPr>
+          <a:xfrm>
+            <a:off x="2661858" y="11635236"/>
+            <a:ext cx="14347143" cy="1938992"/>
+          </a:xfrm>
+          <a:prstGeom prst="rect">
+            <a:avLst/>
+          </a:prstGeom>
+          <a:noFill/>
+        </p:spPr>
+        <p:txBody>
+          <a:bodyPr wrap="square" rtlCol="0">
+            <a:spAutoFit/>
+          </a:bodyPr>
+          <a:lstStyle/>
+          <a:p>
+            <a:pPr marL="857250" indent="-857250">
+              <a:buFont typeface="Wingdings" panose="05000000000000000000" pitchFamily="2" charset="2"/>
+              <a:buChar char="§"/>
+            </a:pPr>
+            <a:r>
+              <a:rPr lang="en-US" sz="4000" dirty="0">
+                <a:latin typeface="Times New Roman" panose="02020603050405020304" pitchFamily="18" charset="0"/>
+                <a:cs typeface="Times New Roman" panose="02020603050405020304" pitchFamily="18" charset="0"/>
+              </a:rPr>
+              <a:t>Mitochondrial </a:t>
+            </a:r>
+            <a:r>
+              <a:rPr lang="en-US" sz="4000" dirty="0" err="1">
+                <a:latin typeface="Times New Roman" panose="02020603050405020304" pitchFamily="18" charset="0"/>
+                <a:cs typeface="Times New Roman" panose="02020603050405020304" pitchFamily="18" charset="0"/>
+              </a:rPr>
+              <a:t>dna</a:t>
+            </a:r>
+            <a:r>
+              <a:rPr lang="en-US" sz="4000" dirty="0">
+                <a:latin typeface="Times New Roman" panose="02020603050405020304" pitchFamily="18" charset="0"/>
+                <a:cs typeface="Times New Roman" panose="02020603050405020304" pitchFamily="18" charset="0"/>
+              </a:rPr>
+              <a:t> COI to establish species relationship</a:t>
+            </a:r>
+          </a:p>
+          <a:p>
+            <a:pPr marL="857250" indent="-857250">
+              <a:buFont typeface="Wingdings" panose="05000000000000000000" pitchFamily="2" charset="2"/>
+              <a:buChar char="§"/>
+            </a:pPr>
+            <a:r>
+              <a:rPr lang="en-US" sz="4000" dirty="0" err="1">
+                <a:latin typeface="Times New Roman" panose="02020603050405020304" pitchFamily="18" charset="0"/>
+                <a:cs typeface="Times New Roman" panose="02020603050405020304" pitchFamily="18" charset="0"/>
+              </a:rPr>
+              <a:t>Sonotoxin</a:t>
+            </a:r>
+            <a:r>
+              <a:rPr lang="en-US" sz="4000" dirty="0">
+                <a:latin typeface="Times New Roman" panose="02020603050405020304" pitchFamily="18" charset="0"/>
+                <a:cs typeface="Times New Roman" panose="02020603050405020304" pitchFamily="18" charset="0"/>
+              </a:rPr>
+              <a:t> alignment to multiple </a:t>
+            </a:r>
+            <a:r>
+              <a:rPr lang="en-US" sz="4000" i="1" dirty="0" err="1">
+                <a:latin typeface="Times New Roman" panose="02020603050405020304" pitchFamily="18" charset="0"/>
+                <a:cs typeface="Times New Roman" panose="02020603050405020304" pitchFamily="18" charset="0"/>
+              </a:rPr>
+              <a:t>s.umbrosus</a:t>
+            </a:r>
+            <a:endParaRPr lang="en-US" sz="4000" i="1" dirty="0">
+              <a:latin typeface="Times New Roman" panose="02020603050405020304" pitchFamily="18" charset="0"/>
+              <a:cs typeface="Times New Roman" panose="02020603050405020304" pitchFamily="18" charset="0"/>
+            </a:endParaRPr>
+          </a:p>
+          <a:p>
+            <a:endParaRPr lang="en-US" sz="4000" dirty="0"/>
+          </a:p>
+        </p:txBody>
+      </p:sp>
+      <p:sp>
+        <p:nvSpPr>
+          <p:cNvPr id="5" name="TextBox 4">
+            <a:extLst>
+              <a:ext uri="{FF2B5EF4-FFF2-40B4-BE49-F238E27FC236}">
+                <a16:creationId xmlns:a16="http://schemas.microsoft.com/office/drawing/2014/main" id="{00A54425-CBAE-5ED1-98A9-8713C0C4F113}"/>
+              </a:ext>
+            </a:extLst>
+          </p:cNvPr>
+          <p:cNvSpPr txBox="1"/>
+          <p:nvPr/>
+        </p:nvSpPr>
+        <p:spPr>
+          <a:xfrm>
+            <a:off x="15214838" y="11573091"/>
+            <a:ext cx="15041704" cy="1938992"/>
+          </a:xfrm>
+          <a:prstGeom prst="rect">
+            <a:avLst/>
+          </a:prstGeom>
+          <a:noFill/>
+        </p:spPr>
+        <p:txBody>
+          <a:bodyPr wrap="square" rtlCol="0">
+            <a:spAutoFit/>
+          </a:bodyPr>
+          <a:lstStyle/>
+          <a:p>
+            <a:pPr marL="857250" indent="-857250">
+              <a:buFont typeface="Wingdings" panose="05000000000000000000" pitchFamily="2" charset="2"/>
+              <a:buChar char="§"/>
+            </a:pPr>
+            <a:r>
+              <a:rPr lang="en-US" sz="4000" dirty="0">
+                <a:latin typeface="Times New Roman" panose="02020603050405020304" pitchFamily="18" charset="0"/>
+                <a:cs typeface="Times New Roman" panose="02020603050405020304" pitchFamily="18" charset="0"/>
+              </a:rPr>
+              <a:t>Extract putative </a:t>
+            </a:r>
+            <a:r>
+              <a:rPr lang="en-US" sz="4000" dirty="0" err="1">
+                <a:latin typeface="Times New Roman" panose="02020603050405020304" pitchFamily="18" charset="0"/>
+                <a:cs typeface="Times New Roman" panose="02020603050405020304" pitchFamily="18" charset="0"/>
+              </a:rPr>
+              <a:t>Stonustoxin</a:t>
+            </a:r>
+            <a:r>
+              <a:rPr lang="en-US" sz="4000" dirty="0">
+                <a:latin typeface="Times New Roman" panose="02020603050405020304" pitchFamily="18" charset="0"/>
+                <a:cs typeface="Times New Roman" panose="02020603050405020304" pitchFamily="18" charset="0"/>
+              </a:rPr>
+              <a:t> region in all </a:t>
+            </a:r>
+            <a:r>
+              <a:rPr lang="en-US" sz="4000" i="1" dirty="0">
+                <a:latin typeface="Times New Roman" panose="02020603050405020304" pitchFamily="18" charset="0"/>
+                <a:cs typeface="Times New Roman" panose="02020603050405020304" pitchFamily="18" charset="0"/>
+              </a:rPr>
+              <a:t>Sebastes </a:t>
+            </a:r>
+            <a:r>
+              <a:rPr lang="en-US" sz="4000" dirty="0">
+                <a:latin typeface="Times New Roman" panose="02020603050405020304" pitchFamily="18" charset="0"/>
+                <a:cs typeface="Times New Roman" panose="02020603050405020304" pitchFamily="18" charset="0"/>
+              </a:rPr>
+              <a:t>from NCBI</a:t>
+            </a:r>
+          </a:p>
+          <a:p>
+            <a:pPr marL="857250" indent="-857250">
+              <a:buFont typeface="Wingdings" panose="05000000000000000000" pitchFamily="2" charset="2"/>
+              <a:buChar char="§"/>
+            </a:pPr>
+            <a:r>
+              <a:rPr lang="en-US" sz="4000" dirty="0">
+                <a:latin typeface="Times New Roman" panose="02020603050405020304" pitchFamily="18" charset="0"/>
+                <a:cs typeface="Times New Roman" panose="02020603050405020304" pitchFamily="18" charset="0"/>
+              </a:rPr>
+              <a:t>Align putative </a:t>
+            </a:r>
+            <a:r>
+              <a:rPr lang="en-US" sz="4000" dirty="0" err="1">
+                <a:latin typeface="Times New Roman" panose="02020603050405020304" pitchFamily="18" charset="0"/>
+                <a:cs typeface="Times New Roman" panose="02020603050405020304" pitchFamily="18" charset="0"/>
+              </a:rPr>
+              <a:t>Stonustoxin</a:t>
+            </a:r>
+            <a:r>
+              <a:rPr lang="en-US" sz="4000" dirty="0">
+                <a:latin typeface="Times New Roman" panose="02020603050405020304" pitchFamily="18" charset="0"/>
+                <a:cs typeface="Times New Roman" panose="02020603050405020304" pitchFamily="18" charset="0"/>
+              </a:rPr>
+              <a:t> across </a:t>
+            </a:r>
+            <a:r>
+              <a:rPr lang="en-US" sz="4000" i="1" dirty="0">
+                <a:latin typeface="Times New Roman" panose="02020603050405020304" pitchFamily="18" charset="0"/>
+                <a:cs typeface="Times New Roman" panose="02020603050405020304" pitchFamily="18" charset="0"/>
+              </a:rPr>
+              <a:t>Sebastes</a:t>
+            </a:r>
+            <a:r>
+              <a:rPr lang="en-US" sz="4000" dirty="0">
+                <a:latin typeface="Times New Roman" panose="02020603050405020304" pitchFamily="18" charset="0"/>
+                <a:cs typeface="Times New Roman" panose="02020603050405020304" pitchFamily="18" charset="0"/>
+              </a:rPr>
+              <a:t> </a:t>
+            </a:r>
+            <a:r>
+              <a:rPr lang="en-US" sz="4000" i="1" dirty="0">
+                <a:latin typeface="Times New Roman" panose="02020603050405020304" pitchFamily="18" charset="0"/>
+                <a:cs typeface="Times New Roman" panose="02020603050405020304" pitchFamily="18" charset="0"/>
+              </a:rPr>
+              <a:t>spp. </a:t>
+            </a:r>
+            <a:r>
+              <a:rPr lang="en-US" sz="4000" dirty="0">
+                <a:latin typeface="Times New Roman" panose="02020603050405020304" pitchFamily="18" charset="0"/>
+                <a:cs typeface="Times New Roman" panose="02020603050405020304" pitchFamily="18" charset="0"/>
+              </a:rPr>
+              <a:t>to each other  </a:t>
+            </a:r>
+          </a:p>
+          <a:p>
+            <a:endParaRPr lang="en-US" sz="4000" dirty="0"/>
+          </a:p>
+        </p:txBody>
+      </p:sp>
+      <p:pic>
+        <p:nvPicPr>
+          <p:cNvPr id="17" name="Picture 16">
+            <a:extLst>
+              <a:ext uri="{FF2B5EF4-FFF2-40B4-BE49-F238E27FC236}">
+                <a16:creationId xmlns:a16="http://schemas.microsoft.com/office/drawing/2014/main" id="{F96F9687-E22B-18FA-F715-C48406EC52A0}"/>
+              </a:ext>
+            </a:extLst>
+          </p:cNvPr>
+          <p:cNvPicPr>
+            <a:picLocks noChangeAspect="1"/>
+          </p:cNvPicPr>
+          <p:nvPr/>
+        </p:nvPicPr>
+        <p:blipFill>
+          <a:blip r:embed="rId7"/>
+          <a:srcRect l="62931"/>
+          <a:stretch>
+            <a:fillRect/>
+          </a:stretch>
+        </p:blipFill>
+        <p:spPr>
+          <a:xfrm>
+            <a:off x="19223628" y="13948001"/>
+            <a:ext cx="9666284" cy="14359178"/>
+          </a:xfrm>
+          <a:prstGeom prst="rect">
+            <a:avLst/>
+          </a:prstGeom>
+        </p:spPr>
+      </p:pic>
+      <p:pic>
+        <p:nvPicPr>
+          <p:cNvPr id="7" name="Picture 6">
+            <a:extLst>
+              <a:ext uri="{FF2B5EF4-FFF2-40B4-BE49-F238E27FC236}">
+                <a16:creationId xmlns:a16="http://schemas.microsoft.com/office/drawing/2014/main" id="{69F772AC-2259-6578-4223-36BF2B457C70}"/>
+              </a:ext>
+            </a:extLst>
+          </p:cNvPr>
+          <p:cNvPicPr>
+            <a:picLocks noChangeAspect="1"/>
+          </p:cNvPicPr>
+          <p:nvPr/>
+        </p:nvPicPr>
+        <p:blipFill>
+          <a:blip r:embed="rId8">
+            <a:extLst>
+              <a:ext uri="{28A0092B-C50C-407E-A947-70E740481C1C}">
+                <a14:useLocalDpi xmlns:a14="http://schemas.microsoft.com/office/drawing/2010/main" val="0"/>
+              </a:ext>
+            </a:extLst>
+          </a:blip>
+          <a:srcRect l="34955"/>
+          <a:stretch>
+            <a:fillRect/>
+          </a:stretch>
+        </p:blipFill>
+        <p:spPr>
+          <a:xfrm>
+            <a:off x="2266794" y="14329955"/>
+            <a:ext cx="14742207" cy="14332956"/>
+          </a:xfrm>
+          <a:prstGeom prst="rect">
+            <a:avLst/>
+          </a:prstGeom>
+        </p:spPr>
+      </p:pic>
+      <p:sp>
+        <p:nvSpPr>
+          <p:cNvPr id="23" name="TextBox 22">
+            <a:extLst>
+              <a:ext uri="{FF2B5EF4-FFF2-40B4-BE49-F238E27FC236}">
+                <a16:creationId xmlns:a16="http://schemas.microsoft.com/office/drawing/2014/main" id="{0D0FEB51-BDDA-B4D7-55F8-853043620AF0}"/>
+              </a:ext>
+            </a:extLst>
+          </p:cNvPr>
+          <p:cNvSpPr txBox="1"/>
+          <p:nvPr/>
+        </p:nvSpPr>
+        <p:spPr>
+          <a:xfrm>
+            <a:off x="2066925" y="29562627"/>
+            <a:ext cx="28209875" cy="1200329"/>
+          </a:xfrm>
+          <a:prstGeom prst="rect">
+            <a:avLst/>
+          </a:prstGeom>
+          <a:noFill/>
+        </p:spPr>
+        <p:txBody>
+          <a:bodyPr wrap="square" rtlCol="0">
+            <a:spAutoFit/>
+          </a:bodyPr>
           <a:lstStyle/>
           <a:p>
             <a:pPr algn="ctr"/>
-            <a:endParaRPr lang="en-US" dirty="0"/>
+            <a:r>
+              <a:rPr lang="en-US" sz="3600" dirty="0">
+                <a:latin typeface="Times New Roman" panose="02020603050405020304" pitchFamily="18" charset="0"/>
+                <a:cs typeface="Times New Roman" panose="02020603050405020304" pitchFamily="18" charset="0"/>
+              </a:rPr>
+              <a:t>Finish sequencing the </a:t>
+            </a:r>
+            <a:r>
+              <a:rPr lang="en-US" sz="3600" i="1" dirty="0">
+                <a:latin typeface="Times New Roman" panose="02020603050405020304" pitchFamily="18" charset="0"/>
+                <a:cs typeface="Times New Roman" panose="02020603050405020304" pitchFamily="18" charset="0"/>
+              </a:rPr>
+              <a:t>Sebastes</a:t>
+            </a:r>
+            <a:r>
+              <a:rPr lang="en-US" sz="3600" dirty="0">
+                <a:latin typeface="Times New Roman" panose="02020603050405020304" pitchFamily="18" charset="0"/>
+                <a:cs typeface="Times New Roman" panose="02020603050405020304" pitchFamily="18" charset="0"/>
+              </a:rPr>
+              <a:t>  genus. Select species to extract putative </a:t>
+            </a:r>
+            <a:r>
+              <a:rPr lang="en-US" sz="3600" dirty="0" err="1">
+                <a:latin typeface="Times New Roman" panose="02020603050405020304" pitchFamily="18" charset="0"/>
+                <a:cs typeface="Times New Roman" panose="02020603050405020304" pitchFamily="18" charset="0"/>
+              </a:rPr>
+              <a:t>Stonustoxin</a:t>
+            </a:r>
+            <a:r>
+              <a:rPr lang="en-US" sz="3600" dirty="0">
+                <a:latin typeface="Times New Roman" panose="02020603050405020304" pitchFamily="18" charset="0"/>
+                <a:cs typeface="Times New Roman" panose="02020603050405020304" pitchFamily="18" charset="0"/>
+              </a:rPr>
+              <a:t> and conduct </a:t>
+            </a:r>
+            <a:r>
+              <a:rPr lang="en-US" sz="3600" dirty="0" err="1">
+                <a:latin typeface="Times New Roman" panose="02020603050405020304" pitchFamily="18" charset="0"/>
+                <a:cs typeface="Times New Roman" panose="02020603050405020304" pitchFamily="18" charset="0"/>
+              </a:rPr>
+              <a:t>trna</a:t>
+            </a:r>
+            <a:r>
+              <a:rPr lang="en-US" sz="3600" dirty="0">
+                <a:latin typeface="Times New Roman" panose="02020603050405020304" pitchFamily="18" charset="0"/>
+                <a:cs typeface="Times New Roman" panose="02020603050405020304" pitchFamily="18" charset="0"/>
+              </a:rPr>
+              <a:t> analysis to determine if the protein is expressing  in those species. </a:t>
+            </a:r>
           </a:p>
         </p:txBody>
       </p:sp>

--- a/UC_Leads/POSTER_FEB.pptx
+++ b/UC_Leads/POSTER_FEB.pptx
@@ -3050,8 +3050,8 @@
         </p:nvSpPr>
         <p:spPr>
           <a:xfrm>
-            <a:off x="1266818" y="828665"/>
-            <a:ext cx="30689564" cy="38576270"/>
+            <a:off x="1085850" y="828665"/>
+            <a:ext cx="30943914" cy="38576270"/>
           </a:xfrm>
           <a:prstGeom prst="rect">
             <a:avLst/>
@@ -3100,7 +3100,7 @@
         <p:spPr>
           <a:xfrm>
             <a:off x="1914525" y="1914525"/>
-            <a:ext cx="29089350" cy="1200329"/>
+            <a:ext cx="29089350" cy="1015663"/>
           </a:xfrm>
           <a:prstGeom prst="rect">
             <a:avLst/>
@@ -3115,34 +3115,34 @@
           <a:p>
             <a:pPr algn="ctr"/>
             <a:r>
-              <a:rPr lang="en-US" sz="7200" b="1" dirty="0">
-                <a:latin typeface="Times New Roman" panose="02020603050405020304" pitchFamily="18" charset="0"/>
-                <a:cs typeface="Times New Roman" panose="02020603050405020304" pitchFamily="18" charset="0"/>
-              </a:rPr>
-              <a:t>Reconstruction of the evolutionary history of </a:t>
-            </a:r>
-            <a:r>
-              <a:rPr lang="en-US" sz="7200" b="1" dirty="0" err="1">
+              <a:rPr lang="en-US" sz="6000" b="1" dirty="0">
+                <a:latin typeface="Times New Roman" panose="02020603050405020304" pitchFamily="18" charset="0"/>
+                <a:cs typeface="Times New Roman" panose="02020603050405020304" pitchFamily="18" charset="0"/>
+              </a:rPr>
+              <a:t>Reconstruction of the evolutionary history of the venom gene </a:t>
+            </a:r>
+            <a:r>
+              <a:rPr lang="en-US" sz="6000" b="1" dirty="0" err="1">
                 <a:latin typeface="Times New Roman" panose="02020603050405020304" pitchFamily="18" charset="0"/>
                 <a:cs typeface="Times New Roman" panose="02020603050405020304" pitchFamily="18" charset="0"/>
               </a:rPr>
               <a:t>Stonustoxin</a:t>
             </a:r>
             <a:r>
-              <a:rPr lang="en-US" sz="7200" b="1" dirty="0">
+              <a:rPr lang="en-US" sz="6000" b="1" dirty="0">
                 <a:latin typeface="Times New Roman" panose="02020603050405020304" pitchFamily="18" charset="0"/>
                 <a:cs typeface="Times New Roman" panose="02020603050405020304" pitchFamily="18" charset="0"/>
               </a:rPr>
               <a:t> in </a:t>
             </a:r>
             <a:r>
-              <a:rPr lang="en-US" sz="7200" b="1" i="1" dirty="0">
+              <a:rPr lang="en-US" sz="6000" b="1" i="1" dirty="0">
                 <a:latin typeface="Times New Roman" panose="02020603050405020304" pitchFamily="18" charset="0"/>
                 <a:cs typeface="Times New Roman" panose="02020603050405020304" pitchFamily="18" charset="0"/>
               </a:rPr>
               <a:t>Sebastes</a:t>
             </a:r>
-            <a:endParaRPr lang="en-US" sz="7200" b="1" dirty="0">
+            <a:endParaRPr lang="en-US" sz="6000" b="1" dirty="0">
               <a:latin typeface="Times New Roman" panose="02020603050405020304" pitchFamily="18" charset="0"/>
               <a:cs typeface="Times New Roman" panose="02020603050405020304" pitchFamily="18" charset="0"/>
             </a:endParaRPr>
@@ -3183,7 +3183,7 @@
                 <a:latin typeface="Times New Roman" panose="02020603050405020304" pitchFamily="18" charset="0"/>
                 <a:cs typeface="Times New Roman" panose="02020603050405020304" pitchFamily="18" charset="0"/>
               </a:rPr>
-              <a:t>Author: Ambrosio Rivera, Dr. Giacomo Bernardi, Eric Witte</a:t>
+              <a:t>Author: Ambrosio Rivera, Giacomo Bernardi, Eric Witte</a:t>
             </a:r>
           </a:p>
         </p:txBody>
@@ -3925,8 +3925,8 @@
         </p:nvSpPr>
         <p:spPr>
           <a:xfrm>
-            <a:off x="2661858" y="11635236"/>
-            <a:ext cx="14347143" cy="1938992"/>
+            <a:off x="2001020" y="11642993"/>
+            <a:ext cx="13823179" cy="1754326"/>
           </a:xfrm>
           <a:prstGeom prst="rect">
             <a:avLst/>
@@ -3944,25 +3944,11 @@
               <a:buChar char="§"/>
             </a:pPr>
             <a:r>
-              <a:rPr lang="en-US" sz="4000" dirty="0">
-                <a:latin typeface="Times New Roman" panose="02020603050405020304" pitchFamily="18" charset="0"/>
-                <a:cs typeface="Times New Roman" panose="02020603050405020304" pitchFamily="18" charset="0"/>
-              </a:rPr>
-              <a:t>Mitochondrial </a:t>
-            </a:r>
-            <a:r>
-              <a:rPr lang="en-US" sz="4000" dirty="0" err="1">
-                <a:latin typeface="Times New Roman" panose="02020603050405020304" pitchFamily="18" charset="0"/>
-                <a:cs typeface="Times New Roman" panose="02020603050405020304" pitchFamily="18" charset="0"/>
-              </a:rPr>
-              <a:t>dna</a:t>
-            </a:r>
-            <a:r>
-              <a:rPr lang="en-US" sz="4000" dirty="0">
-                <a:latin typeface="Times New Roman" panose="02020603050405020304" pitchFamily="18" charset="0"/>
-                <a:cs typeface="Times New Roman" panose="02020603050405020304" pitchFamily="18" charset="0"/>
-              </a:rPr>
-              <a:t> COI to establish species relationship</a:t>
+              <a:rPr lang="en-US" sz="3600" dirty="0">
+                <a:latin typeface="Times New Roman" panose="02020603050405020304" pitchFamily="18" charset="0"/>
+                <a:cs typeface="Times New Roman" panose="02020603050405020304" pitchFamily="18" charset="0"/>
+              </a:rPr>
+              <a:t>Mitochondrial DNA COI to establish species relationship</a:t>
             </a:r>
           </a:p>
           <a:p>
@@ -3971,33 +3957,26 @@
               <a:buChar char="§"/>
             </a:pPr>
             <a:r>
-              <a:rPr lang="en-US" sz="4000" dirty="0" err="1">
-                <a:latin typeface="Times New Roman" panose="02020603050405020304" pitchFamily="18" charset="0"/>
-                <a:cs typeface="Times New Roman" panose="02020603050405020304" pitchFamily="18" charset="0"/>
-              </a:rPr>
-              <a:t>Sonotoxin</a:t>
-            </a:r>
-            <a:r>
-              <a:rPr lang="en-US" sz="4000" dirty="0">
-                <a:latin typeface="Times New Roman" panose="02020603050405020304" pitchFamily="18" charset="0"/>
-                <a:cs typeface="Times New Roman" panose="02020603050405020304" pitchFamily="18" charset="0"/>
-              </a:rPr>
-              <a:t> alignment to multiple </a:t>
-            </a:r>
-            <a:r>
-              <a:rPr lang="en-US" sz="4000" i="1" dirty="0" err="1">
-                <a:latin typeface="Times New Roman" panose="02020603050405020304" pitchFamily="18" charset="0"/>
-                <a:cs typeface="Times New Roman" panose="02020603050405020304" pitchFamily="18" charset="0"/>
-              </a:rPr>
-              <a:t>s.umbrosus</a:t>
-            </a:r>
-            <a:endParaRPr lang="en-US" sz="4000" i="1" dirty="0">
+              <a:rPr lang="en-US" sz="3600" dirty="0" err="1">
+                <a:latin typeface="Times New Roman" panose="02020603050405020304" pitchFamily="18" charset="0"/>
+                <a:cs typeface="Times New Roman" panose="02020603050405020304" pitchFamily="18" charset="0"/>
+              </a:rPr>
+              <a:t>Stonustoxin</a:t>
+            </a:r>
+            <a:r>
+              <a:rPr lang="en-US" sz="3600" dirty="0">
+                <a:latin typeface="Times New Roman" panose="02020603050405020304" pitchFamily="18" charset="0"/>
+                <a:cs typeface="Times New Roman" panose="02020603050405020304" pitchFamily="18" charset="0"/>
+              </a:rPr>
+              <a:t> alignment among several  species of Rockfish Sebastes</a:t>
+            </a:r>
+            <a:endParaRPr lang="en-US" sz="3600" i="1" dirty="0">
               <a:latin typeface="Times New Roman" panose="02020603050405020304" pitchFamily="18" charset="0"/>
               <a:cs typeface="Times New Roman" panose="02020603050405020304" pitchFamily="18" charset="0"/>
             </a:endParaRPr>
           </a:p>
           <a:p>
-            <a:endParaRPr lang="en-US" sz="4000" dirty="0"/>
+            <a:endParaRPr lang="en-US" sz="3600" dirty="0"/>
           </a:p>
         </p:txBody>
       </p:sp>
@@ -4015,8 +3994,8 @@
         </p:nvSpPr>
         <p:spPr>
           <a:xfrm>
-            <a:off x="15214838" y="11573091"/>
-            <a:ext cx="15041704" cy="1938992"/>
+            <a:off x="16264466" y="11573091"/>
+            <a:ext cx="13992075" cy="1938992"/>
           </a:xfrm>
           <a:prstGeom prst="rect">
             <a:avLst/>
@@ -4116,13 +4095,10 @@
               </a:rPr>
               <a:t>spp. </a:t>
             </a:r>
-            <a:r>
-              <a:rPr lang="en-US" sz="4000" dirty="0">
-                <a:latin typeface="Times New Roman" panose="02020603050405020304" pitchFamily="18" charset="0"/>
-                <a:cs typeface="Times New Roman" panose="02020603050405020304" pitchFamily="18" charset="0"/>
-              </a:rPr>
-              <a:t>to each other  </a:t>
-            </a:r>
+            <a:endParaRPr lang="en-US" sz="4000" dirty="0">
+              <a:latin typeface="Times New Roman" panose="02020603050405020304" pitchFamily="18" charset="0"/>
+              <a:cs typeface="Times New Roman" panose="02020603050405020304" pitchFamily="18" charset="0"/>
+            </a:endParaRPr>
           </a:p>
           <a:p>
             <a:endParaRPr lang="en-US" sz="4000" dirty="0"/>
@@ -4231,7 +4207,7 @@
                 <a:latin typeface="Times New Roman" panose="02020603050405020304" pitchFamily="18" charset="0"/>
                 <a:cs typeface="Times New Roman" panose="02020603050405020304" pitchFamily="18" charset="0"/>
               </a:rPr>
-              <a:t>Finish sequencing the </a:t>
+              <a:t>Finish extracting the </a:t>
             </a:r>
             <a:r>
               <a:rPr lang="en-US" sz="3600" i="1" dirty="0">
@@ -4275,6 +4251,670 @@
               </a:rPr>
               <a:t> analysis to determine if the protein is expressing  in those species. </a:t>
             </a:r>
+          </a:p>
+        </p:txBody>
+      </p:sp>
+      <p:sp>
+        <p:nvSpPr>
+          <p:cNvPr id="6" name="Rectangle 5">
+            <a:extLst>
+              <a:ext uri="{FF2B5EF4-FFF2-40B4-BE49-F238E27FC236}">
+                <a16:creationId xmlns:a16="http://schemas.microsoft.com/office/drawing/2014/main" id="{3F7CB6C1-2099-B7AF-1E65-26AAC894A717}"/>
+              </a:ext>
+            </a:extLst>
+          </p:cNvPr>
+          <p:cNvSpPr/>
+          <p:nvPr/>
+        </p:nvSpPr>
+        <p:spPr>
+          <a:xfrm>
+            <a:off x="10594848" y="23855143"/>
+            <a:ext cx="7680971" cy="382553"/>
+          </a:xfrm>
+          <a:prstGeom prst="rect">
+            <a:avLst/>
+          </a:prstGeom>
+          <a:solidFill>
+            <a:schemeClr val="accent6">
+              <a:alpha val="42000"/>
+            </a:schemeClr>
+          </a:solidFill>
+          <a:ln>
+            <a:noFill/>
+          </a:ln>
+        </p:spPr>
+        <p:style>
+          <a:lnRef idx="2">
+            <a:schemeClr val="accent1">
+              <a:shade val="15000"/>
+            </a:schemeClr>
+          </a:lnRef>
+          <a:fillRef idx="1">
+            <a:schemeClr val="accent1"/>
+          </a:fillRef>
+          <a:effectRef idx="0">
+            <a:schemeClr val="accent1"/>
+          </a:effectRef>
+          <a:fontRef idx="minor">
+            <a:schemeClr val="lt1"/>
+          </a:fontRef>
+        </p:style>
+        <p:txBody>
+          <a:bodyPr rtlCol="0" anchor="ctr"/>
+          <a:lstStyle/>
+          <a:p>
+            <a:pPr algn="ctr"/>
+            <a:endParaRPr lang="en-US"/>
+          </a:p>
+        </p:txBody>
+      </p:sp>
+      <p:sp>
+        <p:nvSpPr>
+          <p:cNvPr id="10" name="Rectangle 9">
+            <a:extLst>
+              <a:ext uri="{FF2B5EF4-FFF2-40B4-BE49-F238E27FC236}">
+                <a16:creationId xmlns:a16="http://schemas.microsoft.com/office/drawing/2014/main" id="{0557A8A6-ED3B-E4ED-4B24-4FB550CEBFD4}"/>
+              </a:ext>
+            </a:extLst>
+          </p:cNvPr>
+          <p:cNvSpPr/>
+          <p:nvPr/>
+        </p:nvSpPr>
+        <p:spPr>
+          <a:xfrm>
+            <a:off x="11009376" y="20536319"/>
+            <a:ext cx="7266443" cy="382553"/>
+          </a:xfrm>
+          <a:prstGeom prst="rect">
+            <a:avLst/>
+          </a:prstGeom>
+          <a:solidFill>
+            <a:schemeClr val="accent6">
+              <a:alpha val="42000"/>
+            </a:schemeClr>
+          </a:solidFill>
+          <a:ln>
+            <a:noFill/>
+          </a:ln>
+        </p:spPr>
+        <p:style>
+          <a:lnRef idx="2">
+            <a:schemeClr val="accent1">
+              <a:shade val="15000"/>
+            </a:schemeClr>
+          </a:lnRef>
+          <a:fillRef idx="1">
+            <a:schemeClr val="accent1"/>
+          </a:fillRef>
+          <a:effectRef idx="0">
+            <a:schemeClr val="accent1"/>
+          </a:effectRef>
+          <a:fontRef idx="minor">
+            <a:schemeClr val="lt1"/>
+          </a:fontRef>
+        </p:style>
+        <p:txBody>
+          <a:bodyPr rtlCol="0" anchor="ctr"/>
+          <a:lstStyle/>
+          <a:p>
+            <a:pPr algn="ctr"/>
+            <a:endParaRPr lang="en-US"/>
+          </a:p>
+        </p:txBody>
+      </p:sp>
+      <p:sp>
+        <p:nvSpPr>
+          <p:cNvPr id="16" name="Rectangle 15">
+            <a:extLst>
+              <a:ext uri="{FF2B5EF4-FFF2-40B4-BE49-F238E27FC236}">
+                <a16:creationId xmlns:a16="http://schemas.microsoft.com/office/drawing/2014/main" id="{D47F6F6D-28B8-0186-AD40-57DD84723389}"/>
+              </a:ext>
+            </a:extLst>
+          </p:cNvPr>
+          <p:cNvSpPr/>
+          <p:nvPr/>
+        </p:nvSpPr>
+        <p:spPr>
+          <a:xfrm>
+            <a:off x="21772800" y="17831610"/>
+            <a:ext cx="2592000" cy="197190"/>
+          </a:xfrm>
+          <a:prstGeom prst="rect">
+            <a:avLst/>
+          </a:prstGeom>
+          <a:solidFill>
+            <a:schemeClr val="accent2">
+              <a:lumMod val="40000"/>
+              <a:lumOff val="60000"/>
+              <a:alpha val="42000"/>
+            </a:schemeClr>
+          </a:solidFill>
+          <a:ln>
+            <a:noFill/>
+          </a:ln>
+        </p:spPr>
+        <p:style>
+          <a:lnRef idx="2">
+            <a:schemeClr val="accent1">
+              <a:shade val="15000"/>
+            </a:schemeClr>
+          </a:lnRef>
+          <a:fillRef idx="1">
+            <a:schemeClr val="accent1"/>
+          </a:fillRef>
+          <a:effectRef idx="0">
+            <a:schemeClr val="accent1"/>
+          </a:effectRef>
+          <a:fontRef idx="minor">
+            <a:schemeClr val="lt1"/>
+          </a:fontRef>
+        </p:style>
+        <p:txBody>
+          <a:bodyPr rtlCol="0" anchor="ctr"/>
+          <a:lstStyle/>
+          <a:p>
+            <a:pPr algn="ctr"/>
+            <a:endParaRPr lang="en-US"/>
+          </a:p>
+        </p:txBody>
+      </p:sp>
+      <p:sp>
+        <p:nvSpPr>
+          <p:cNvPr id="24" name="Rectangle 23">
+            <a:extLst>
+              <a:ext uri="{FF2B5EF4-FFF2-40B4-BE49-F238E27FC236}">
+                <a16:creationId xmlns:a16="http://schemas.microsoft.com/office/drawing/2014/main" id="{08D625ED-D555-DE01-93E9-3A4879FC89BB}"/>
+              </a:ext>
+            </a:extLst>
+          </p:cNvPr>
+          <p:cNvSpPr/>
+          <p:nvPr/>
+        </p:nvSpPr>
+        <p:spPr>
+          <a:xfrm>
+            <a:off x="11983156" y="22916655"/>
+            <a:ext cx="6278454" cy="358055"/>
+          </a:xfrm>
+          <a:prstGeom prst="rect">
+            <a:avLst/>
+          </a:prstGeom>
+          <a:solidFill>
+            <a:schemeClr val="accent4">
+              <a:lumMod val="20000"/>
+              <a:lumOff val="80000"/>
+              <a:alpha val="31000"/>
+            </a:schemeClr>
+          </a:solidFill>
+          <a:ln>
+            <a:noFill/>
+          </a:ln>
+        </p:spPr>
+        <p:style>
+          <a:lnRef idx="2">
+            <a:schemeClr val="accent1">
+              <a:shade val="15000"/>
+            </a:schemeClr>
+          </a:lnRef>
+          <a:fillRef idx="1">
+            <a:schemeClr val="accent1"/>
+          </a:fillRef>
+          <a:effectRef idx="0">
+            <a:schemeClr val="accent1"/>
+          </a:effectRef>
+          <a:fontRef idx="minor">
+            <a:schemeClr val="lt1"/>
+          </a:fontRef>
+        </p:style>
+        <p:txBody>
+          <a:bodyPr rtlCol="0" anchor="ctr"/>
+          <a:lstStyle/>
+          <a:p>
+            <a:pPr algn="ctr"/>
+            <a:endParaRPr lang="en-US"/>
+          </a:p>
+        </p:txBody>
+      </p:sp>
+      <p:sp>
+        <p:nvSpPr>
+          <p:cNvPr id="27" name="Rectangle 26">
+            <a:extLst>
+              <a:ext uri="{FF2B5EF4-FFF2-40B4-BE49-F238E27FC236}">
+                <a16:creationId xmlns:a16="http://schemas.microsoft.com/office/drawing/2014/main" id="{1FA2E9F2-503C-12A0-4C43-43B80783F5EA}"/>
+              </a:ext>
+            </a:extLst>
+          </p:cNvPr>
+          <p:cNvSpPr/>
+          <p:nvPr/>
+        </p:nvSpPr>
+        <p:spPr>
+          <a:xfrm>
+            <a:off x="22030860" y="22199420"/>
+            <a:ext cx="3502738" cy="297814"/>
+          </a:xfrm>
+          <a:prstGeom prst="rect">
+            <a:avLst/>
+          </a:prstGeom>
+          <a:solidFill>
+            <a:schemeClr val="accent4">
+              <a:lumMod val="20000"/>
+              <a:lumOff val="80000"/>
+              <a:alpha val="42000"/>
+            </a:schemeClr>
+          </a:solidFill>
+          <a:ln>
+            <a:noFill/>
+          </a:ln>
+        </p:spPr>
+        <p:style>
+          <a:lnRef idx="2">
+            <a:schemeClr val="accent1">
+              <a:shade val="15000"/>
+            </a:schemeClr>
+          </a:lnRef>
+          <a:fillRef idx="1">
+            <a:schemeClr val="accent1"/>
+          </a:fillRef>
+          <a:effectRef idx="0">
+            <a:schemeClr val="accent1"/>
+          </a:effectRef>
+          <a:fontRef idx="minor">
+            <a:schemeClr val="lt1"/>
+          </a:fontRef>
+        </p:style>
+        <p:txBody>
+          <a:bodyPr rtlCol="0" anchor="ctr"/>
+          <a:lstStyle/>
+          <a:p>
+            <a:pPr algn="ctr"/>
+            <a:endParaRPr lang="en-US" dirty="0"/>
+          </a:p>
+        </p:txBody>
+      </p:sp>
+      <p:sp>
+        <p:nvSpPr>
+          <p:cNvPr id="28" name="Rectangle 27">
+            <a:extLst>
+              <a:ext uri="{FF2B5EF4-FFF2-40B4-BE49-F238E27FC236}">
+                <a16:creationId xmlns:a16="http://schemas.microsoft.com/office/drawing/2014/main" id="{87BC50ED-6F4B-B422-2A37-0DB9FB5758A6}"/>
+              </a:ext>
+            </a:extLst>
+          </p:cNvPr>
+          <p:cNvSpPr/>
+          <p:nvPr/>
+        </p:nvSpPr>
+        <p:spPr>
+          <a:xfrm flipV="1">
+            <a:off x="5692462" y="26778356"/>
+            <a:ext cx="12569148" cy="241520"/>
+          </a:xfrm>
+          <a:prstGeom prst="rect">
+            <a:avLst/>
+          </a:prstGeom>
+          <a:solidFill>
+            <a:schemeClr val="accent6">
+              <a:alpha val="42000"/>
+            </a:schemeClr>
+          </a:solidFill>
+          <a:ln>
+            <a:noFill/>
+          </a:ln>
+        </p:spPr>
+        <p:style>
+          <a:lnRef idx="2">
+            <a:schemeClr val="accent1">
+              <a:shade val="15000"/>
+            </a:schemeClr>
+          </a:lnRef>
+          <a:fillRef idx="1">
+            <a:schemeClr val="accent1"/>
+          </a:fillRef>
+          <a:effectRef idx="0">
+            <a:schemeClr val="accent1"/>
+          </a:effectRef>
+          <a:fontRef idx="minor">
+            <a:schemeClr val="lt1"/>
+          </a:fontRef>
+        </p:style>
+        <p:txBody>
+          <a:bodyPr rtlCol="0" anchor="ctr"/>
+          <a:lstStyle/>
+          <a:p>
+            <a:pPr algn="ctr"/>
+            <a:endParaRPr lang="en-US"/>
+          </a:p>
+        </p:txBody>
+      </p:sp>
+      <p:sp>
+        <p:nvSpPr>
+          <p:cNvPr id="29" name="Rectangle 28">
+            <a:extLst>
+              <a:ext uri="{FF2B5EF4-FFF2-40B4-BE49-F238E27FC236}">
+                <a16:creationId xmlns:a16="http://schemas.microsoft.com/office/drawing/2014/main" id="{3AD81930-61EB-3DE3-B005-83EEA0F461D1}"/>
+              </a:ext>
+            </a:extLst>
+          </p:cNvPr>
+          <p:cNvSpPr/>
+          <p:nvPr/>
+        </p:nvSpPr>
+        <p:spPr>
+          <a:xfrm>
+            <a:off x="19223628" y="14468665"/>
+            <a:ext cx="9666284" cy="163003"/>
+          </a:xfrm>
+          <a:prstGeom prst="rect">
+            <a:avLst/>
+          </a:prstGeom>
+          <a:solidFill>
+            <a:schemeClr val="accent6">
+              <a:alpha val="42000"/>
+            </a:schemeClr>
+          </a:solidFill>
+          <a:ln>
+            <a:noFill/>
+          </a:ln>
+        </p:spPr>
+        <p:style>
+          <a:lnRef idx="2">
+            <a:schemeClr val="accent1">
+              <a:shade val="15000"/>
+            </a:schemeClr>
+          </a:lnRef>
+          <a:fillRef idx="1">
+            <a:schemeClr val="accent1"/>
+          </a:fillRef>
+          <a:effectRef idx="0">
+            <a:schemeClr val="accent1"/>
+          </a:effectRef>
+          <a:fontRef idx="minor">
+            <a:schemeClr val="lt1"/>
+          </a:fontRef>
+        </p:style>
+        <p:txBody>
+          <a:bodyPr rtlCol="0" anchor="ctr"/>
+          <a:lstStyle/>
+          <a:p>
+            <a:pPr algn="ctr"/>
+            <a:endParaRPr lang="en-US"/>
+          </a:p>
+        </p:txBody>
+      </p:sp>
+      <p:sp>
+        <p:nvSpPr>
+          <p:cNvPr id="30" name="Rectangle 29">
+            <a:extLst>
+              <a:ext uri="{FF2B5EF4-FFF2-40B4-BE49-F238E27FC236}">
+                <a16:creationId xmlns:a16="http://schemas.microsoft.com/office/drawing/2014/main" id="{E2066D52-3B91-B757-A818-2A686609995E}"/>
+              </a:ext>
+            </a:extLst>
+          </p:cNvPr>
+          <p:cNvSpPr/>
+          <p:nvPr/>
+        </p:nvSpPr>
+        <p:spPr>
+          <a:xfrm>
+            <a:off x="12325082" y="19383051"/>
+            <a:ext cx="5936528" cy="152565"/>
+          </a:xfrm>
+          <a:prstGeom prst="rect">
+            <a:avLst/>
+          </a:prstGeom>
+          <a:solidFill>
+            <a:schemeClr val="accent4">
+              <a:lumMod val="20000"/>
+              <a:lumOff val="80000"/>
+              <a:alpha val="23000"/>
+            </a:schemeClr>
+          </a:solidFill>
+          <a:ln>
+            <a:noFill/>
+          </a:ln>
+        </p:spPr>
+        <p:style>
+          <a:lnRef idx="2">
+            <a:schemeClr val="accent1">
+              <a:shade val="15000"/>
+            </a:schemeClr>
+          </a:lnRef>
+          <a:fillRef idx="1">
+            <a:schemeClr val="accent1"/>
+          </a:fillRef>
+          <a:effectRef idx="0">
+            <a:schemeClr val="accent1"/>
+          </a:effectRef>
+          <a:fontRef idx="minor">
+            <a:schemeClr val="lt1"/>
+          </a:fontRef>
+        </p:style>
+        <p:txBody>
+          <a:bodyPr rtlCol="0" anchor="ctr"/>
+          <a:lstStyle/>
+          <a:p>
+            <a:pPr algn="ctr"/>
+            <a:endParaRPr lang="en-US" dirty="0"/>
+          </a:p>
+        </p:txBody>
+      </p:sp>
+      <p:sp>
+        <p:nvSpPr>
+          <p:cNvPr id="31" name="Rectangle 30">
+            <a:extLst>
+              <a:ext uri="{FF2B5EF4-FFF2-40B4-BE49-F238E27FC236}">
+                <a16:creationId xmlns:a16="http://schemas.microsoft.com/office/drawing/2014/main" id="{AE55FD63-F158-AA59-BFBF-D55CECD431B6}"/>
+              </a:ext>
+            </a:extLst>
+          </p:cNvPr>
+          <p:cNvSpPr/>
+          <p:nvPr/>
+        </p:nvSpPr>
+        <p:spPr>
+          <a:xfrm>
+            <a:off x="6233375" y="27134505"/>
+            <a:ext cx="12098392" cy="135415"/>
+          </a:xfrm>
+          <a:prstGeom prst="rect">
+            <a:avLst/>
+          </a:prstGeom>
+          <a:solidFill>
+            <a:schemeClr val="accent4">
+              <a:lumMod val="20000"/>
+              <a:lumOff val="80000"/>
+              <a:alpha val="31000"/>
+            </a:schemeClr>
+          </a:solidFill>
+          <a:ln>
+            <a:noFill/>
+          </a:ln>
+        </p:spPr>
+        <p:style>
+          <a:lnRef idx="2">
+            <a:schemeClr val="accent1">
+              <a:shade val="15000"/>
+            </a:schemeClr>
+          </a:lnRef>
+          <a:fillRef idx="1">
+            <a:schemeClr val="accent1"/>
+          </a:fillRef>
+          <a:effectRef idx="0">
+            <a:schemeClr val="accent1"/>
+          </a:effectRef>
+          <a:fontRef idx="minor">
+            <a:schemeClr val="lt1"/>
+          </a:fontRef>
+        </p:style>
+        <p:txBody>
+          <a:bodyPr rtlCol="0" anchor="ctr"/>
+          <a:lstStyle/>
+          <a:p>
+            <a:pPr algn="ctr"/>
+            <a:endParaRPr lang="en-US" dirty="0"/>
+          </a:p>
+        </p:txBody>
+      </p:sp>
+      <p:sp>
+        <p:nvSpPr>
+          <p:cNvPr id="32" name="Rectangle 31">
+            <a:extLst>
+              <a:ext uri="{FF2B5EF4-FFF2-40B4-BE49-F238E27FC236}">
+                <a16:creationId xmlns:a16="http://schemas.microsoft.com/office/drawing/2014/main" id="{7D83D193-CF77-E71A-361E-E9401C18F2A2}"/>
+              </a:ext>
+            </a:extLst>
+          </p:cNvPr>
+          <p:cNvSpPr/>
+          <p:nvPr/>
+        </p:nvSpPr>
+        <p:spPr>
+          <a:xfrm>
+            <a:off x="12306000" y="18315065"/>
+            <a:ext cx="6122219" cy="375871"/>
+          </a:xfrm>
+          <a:prstGeom prst="rect">
+            <a:avLst/>
+          </a:prstGeom>
+          <a:solidFill>
+            <a:schemeClr val="accent2">
+              <a:lumMod val="40000"/>
+              <a:lumOff val="60000"/>
+              <a:alpha val="42000"/>
+            </a:schemeClr>
+          </a:solidFill>
+          <a:ln>
+            <a:noFill/>
+          </a:ln>
+        </p:spPr>
+        <p:style>
+          <a:lnRef idx="2">
+            <a:schemeClr val="accent1">
+              <a:shade val="15000"/>
+            </a:schemeClr>
+          </a:lnRef>
+          <a:fillRef idx="1">
+            <a:schemeClr val="accent1"/>
+          </a:fillRef>
+          <a:effectRef idx="0">
+            <a:schemeClr val="accent1"/>
+          </a:effectRef>
+          <a:fontRef idx="minor">
+            <a:schemeClr val="lt1"/>
+          </a:fontRef>
+        </p:style>
+        <p:txBody>
+          <a:bodyPr rtlCol="0" anchor="ctr"/>
+          <a:lstStyle/>
+          <a:p>
+            <a:pPr algn="ctr"/>
+            <a:endParaRPr lang="en-US"/>
+          </a:p>
+        </p:txBody>
+      </p:sp>
+      <p:sp>
+        <p:nvSpPr>
+          <p:cNvPr id="33" name="Rectangle 32">
+            <a:extLst>
+              <a:ext uri="{FF2B5EF4-FFF2-40B4-BE49-F238E27FC236}">
+                <a16:creationId xmlns:a16="http://schemas.microsoft.com/office/drawing/2014/main" id="{68A0EC74-D1C4-2A16-6248-476380716ED1}"/>
+              </a:ext>
+            </a:extLst>
+          </p:cNvPr>
+          <p:cNvSpPr/>
+          <p:nvPr/>
+        </p:nvSpPr>
+        <p:spPr>
+          <a:xfrm flipV="1">
+            <a:off x="5844862" y="26982104"/>
+            <a:ext cx="12569148" cy="190171"/>
+          </a:xfrm>
+          <a:prstGeom prst="rect">
+            <a:avLst/>
+          </a:prstGeom>
+          <a:solidFill>
+            <a:schemeClr val="accent2">
+              <a:lumMod val="40000"/>
+              <a:lumOff val="60000"/>
+              <a:alpha val="42000"/>
+            </a:schemeClr>
+          </a:solidFill>
+          <a:ln>
+            <a:noFill/>
+          </a:ln>
+        </p:spPr>
+        <p:style>
+          <a:lnRef idx="2">
+            <a:schemeClr val="accent1">
+              <a:shade val="15000"/>
+            </a:schemeClr>
+          </a:lnRef>
+          <a:fillRef idx="1">
+            <a:schemeClr val="accent1"/>
+          </a:fillRef>
+          <a:effectRef idx="0">
+            <a:schemeClr val="accent1"/>
+          </a:effectRef>
+          <a:fontRef idx="minor">
+            <a:schemeClr val="lt1"/>
+          </a:fontRef>
+        </p:style>
+        <p:txBody>
+          <a:bodyPr rtlCol="0" anchor="ctr"/>
+          <a:lstStyle/>
+          <a:p>
+            <a:pPr algn="ctr"/>
+            <a:endParaRPr lang="en-US"/>
+          </a:p>
+        </p:txBody>
+      </p:sp>
+      <p:sp>
+        <p:nvSpPr>
+          <p:cNvPr id="34" name="Rectangle 33">
+            <a:extLst>
+              <a:ext uri="{FF2B5EF4-FFF2-40B4-BE49-F238E27FC236}">
+                <a16:creationId xmlns:a16="http://schemas.microsoft.com/office/drawing/2014/main" id="{29AEE214-0DE4-E1C0-EB88-585DBE17E83A}"/>
+              </a:ext>
+            </a:extLst>
+          </p:cNvPr>
+          <p:cNvSpPr/>
+          <p:nvPr/>
+        </p:nvSpPr>
+        <p:spPr>
+          <a:xfrm>
+            <a:off x="12763089" y="16173762"/>
+            <a:ext cx="5885519" cy="143425"/>
+          </a:xfrm>
+          <a:prstGeom prst="rect">
+            <a:avLst/>
+          </a:prstGeom>
+          <a:solidFill>
+            <a:schemeClr val="accent2">
+              <a:lumMod val="40000"/>
+              <a:lumOff val="60000"/>
+              <a:alpha val="42000"/>
+            </a:schemeClr>
+          </a:solidFill>
+          <a:ln>
+            <a:noFill/>
+          </a:ln>
+        </p:spPr>
+        <p:style>
+          <a:lnRef idx="2">
+            <a:schemeClr val="accent1">
+              <a:shade val="15000"/>
+            </a:schemeClr>
+          </a:lnRef>
+          <a:fillRef idx="1">
+            <a:schemeClr val="accent1"/>
+          </a:fillRef>
+          <a:effectRef idx="0">
+            <a:schemeClr val="accent1"/>
+          </a:effectRef>
+          <a:fontRef idx="minor">
+            <a:schemeClr val="lt1"/>
+          </a:fontRef>
+        </p:style>
+        <p:txBody>
+          <a:bodyPr rtlCol="0" anchor="ctr"/>
+          <a:lstStyle/>
+          <a:p>
+            <a:pPr algn="ctr"/>
+            <a:endParaRPr lang="en-US"/>
           </a:p>
         </p:txBody>
       </p:sp>
